--- a/ainlp-slides/AIRNLP-QA-LAB-May17.pptx
+++ b/ainlp-slides/AIRNLP-QA-LAB-May17.pptx
@@ -7,10 +7,10 @@
     <p:sldMasterId id="2147483705" r:id="rId3"/>
   </p:sldMasterIdLst>
   <p:notesMasterIdLst>
-    <p:notesMasterId r:id="rId17"/>
+    <p:notesMasterId r:id="rId18"/>
   </p:notesMasterIdLst>
   <p:handoutMasterIdLst>
-    <p:handoutMasterId r:id="rId18"/>
+    <p:handoutMasterId r:id="rId19"/>
   </p:handoutMasterIdLst>
   <p:sldIdLst>
     <p:sldId id="409" r:id="rId4"/>
@@ -19,13 +19,14 @@
     <p:sldId id="419" r:id="rId7"/>
     <p:sldId id="420" r:id="rId8"/>
     <p:sldId id="429" r:id="rId9"/>
-    <p:sldId id="430" r:id="rId10"/>
-    <p:sldId id="425" r:id="rId11"/>
+    <p:sldId id="425" r:id="rId10"/>
+    <p:sldId id="430" r:id="rId11"/>
     <p:sldId id="428" r:id="rId12"/>
     <p:sldId id="422" r:id="rId13"/>
     <p:sldId id="426" r:id="rId14"/>
     <p:sldId id="423" r:id="rId15"/>
     <p:sldId id="427" r:id="rId16"/>
+    <p:sldId id="431" r:id="rId17"/>
   </p:sldIdLst>
   <p:sldSz cx="10080625" cy="7559675"/>
   <p:notesSz cx="7772400" cy="10058400"/>
@@ -205,13 +206,14 @@
             <p14:sldId id="419"/>
             <p14:sldId id="420"/>
             <p14:sldId id="429"/>
+            <p14:sldId id="425"/>
             <p14:sldId id="430"/>
-            <p14:sldId id="425"/>
             <p14:sldId id="428"/>
             <p14:sldId id="422"/>
             <p14:sldId id="426"/>
             <p14:sldId id="423"/>
             <p14:sldId id="427"/>
+            <p14:sldId id="431"/>
           </p14:sldIdLst>
         </p14:section>
       </p14:sectionLst>
@@ -2076,7 +2078,7 @@
               <a:pPr>
                 <a:defRPr/>
               </a:pPr>
-              <a:t>8</a:t>
+              <a:t>7</a:t>
             </a:fld>
             <a:endParaRPr lang="en-US"/>
           </a:p>
@@ -12200,11 +12202,7 @@
             <a:pPr algn="ctr"/>
             <a:r>
               <a:rPr lang="en-US" dirty="0" smtClean="0"/>
-              <a:t>Answer </a:t>
-            </a:r>
-            <a:r>
-              <a:rPr lang="en-US" dirty="0" smtClean="0"/>
-              <a:t>sentence </a:t>
+              <a:t>Answer sentence </a:t>
             </a:r>
             <a:r>
               <a:rPr lang="en-US" dirty="0" err="1" smtClean="0"/>
@@ -12641,6 +12639,13 @@
   <p:clrMapOvr>
     <a:masterClrMapping/>
   </p:clrMapOvr>
+  <p:timing>
+    <p:tnLst>
+      <p:par>
+        <p:cTn xmlns:p14="http://schemas.microsoft.com/office/powerpoint/2010/main" id="1" dur="indefinite" restart="never" nodeType="tmRoot"/>
+      </p:par>
+    </p:tnLst>
+  </p:timing>
 </p:sld>
 </file>
 
@@ -13709,10 +13714,6 @@
               </a:rPr>
               <a:t> </a:t>
             </a:r>
-            <a:endParaRPr lang="en-US" sz="1400" dirty="0">
-              <a:latin typeface="Courier"/>
-              <a:cs typeface="Courier"/>
-            </a:endParaRPr>
           </a:p>
         </p:txBody>
       </p:sp>
@@ -13823,6 +13824,13 @@
   <p:clrMapOvr>
     <a:masterClrMapping/>
   </p:clrMapOvr>
+  <p:timing>
+    <p:tnLst>
+      <p:par>
+        <p:cTn xmlns:p14="http://schemas.microsoft.com/office/powerpoint/2010/main" id="1" dur="indefinite" restart="never" nodeType="tmRoot"/>
+      </p:par>
+    </p:tnLst>
+  </p:timing>
 </p:sld>
 </file>
 
@@ -14699,10 +14707,6 @@
               </a:rPr>
               <a:t> </a:t>
             </a:r>
-            <a:endParaRPr lang="en-US" sz="1400" dirty="0">
-              <a:latin typeface="Courier"/>
-              <a:cs typeface="Courier"/>
-            </a:endParaRPr>
           </a:p>
         </p:txBody>
       </p:sp>
@@ -14745,6 +14749,13 @@
   <p:clrMapOvr>
     <a:masterClrMapping/>
   </p:clrMapOvr>
+  <p:timing>
+    <p:tnLst>
+      <p:par>
+        <p:cTn xmlns:p14="http://schemas.microsoft.com/office/powerpoint/2010/main" id="1" dur="indefinite" restart="never" nodeType="tmRoot"/>
+      </p:par>
+    </p:tnLst>
+  </p:timing>
 </p:sld>
 </file>
 
@@ -14902,7 +14913,7 @@
         <p:spPr>
           <a:xfrm>
             <a:off x="239712" y="3703637"/>
-            <a:ext cx="9448800" cy="695934"/>
+            <a:ext cx="9448800" cy="495572"/>
           </a:xfrm>
           <a:prstGeom prst="rect">
             <a:avLst/>
@@ -14964,7 +14975,21 @@
                 <a:latin typeface="Courier"/>
                 <a:cs typeface="Courier"/>
               </a:rPr>
-              <a:t>t 5 -F 3 -C + -m 5000  data/examples/</a:t>
+              <a:t>t 5 -F 3 -C + -m 5000 </a:t>
+            </a:r>
+            <a:r>
+              <a:rPr lang="en-US" sz="1400" dirty="0" smtClean="0">
+                <a:latin typeface="Courier"/>
+                <a:cs typeface="Courier"/>
+              </a:rPr>
+              <a:t> </a:t>
+            </a:r>
+            <a:r>
+              <a:rPr lang="en-US" sz="1400" dirty="0">
+                <a:latin typeface="Courier"/>
+                <a:cs typeface="Courier"/>
+              </a:rPr>
+              <a:t>data/examples/</a:t>
             </a:r>
             <a:r>
               <a:rPr lang="en-US" sz="1400" dirty="0" err="1">
@@ -15016,53 +15041,18 @@
               <a:t>wikiqa-ch</a:t>
             </a:r>
             <a:r>
-              <a:rPr lang="en-US" sz="1400" dirty="0" err="1" smtClean="0">
-                <a:latin typeface="Courier"/>
-                <a:cs typeface="Courier"/>
-              </a:rPr>
-              <a:t>-baselinefeats.model</a:t>
-            </a:r>
-            <a:r>
-              <a:rPr lang="en-US" sz="1400" dirty="0" smtClean="0">
-                <a:latin typeface="Courier"/>
-                <a:cs typeface="Courier"/>
-              </a:rPr>
-              <a:t>  </a:t>
-            </a:r>
-            <a:r>
-              <a:rPr lang="en-US" sz="1400" dirty="0">
-                <a:latin typeface="Courier"/>
-                <a:cs typeface="Courier"/>
-              </a:rPr>
-              <a:t>data/examples/</a:t>
-            </a:r>
-            <a:r>
-              <a:rPr lang="en-US" sz="1400" dirty="0" err="1">
-                <a:latin typeface="Courier"/>
-                <a:cs typeface="Courier"/>
-              </a:rPr>
-              <a:t>wikiqa</a:t>
-            </a:r>
-            <a:r>
-              <a:rPr lang="en-US" sz="1400" dirty="0">
-                <a:latin typeface="Courier"/>
-                <a:cs typeface="Courier"/>
-              </a:rPr>
-              <a:t>/</a:t>
-            </a:r>
-            <a:r>
-              <a:rPr lang="en-US" sz="1400" dirty="0" err="1">
-                <a:latin typeface="Courier"/>
-                <a:cs typeface="Courier"/>
-              </a:rPr>
-              <a:t>wikiqa-ch</a:t>
-            </a:r>
-            <a:r>
-              <a:rPr lang="en-US" sz="1400" dirty="0" err="1" smtClean="0">
-                <a:latin typeface="Courier"/>
-                <a:cs typeface="Courier"/>
-              </a:rPr>
-              <a:t>-baselinefeats.pred</a:t>
+              <a:rPr lang="en-US" sz="1400" err="1" smtClean="0">
+                <a:latin typeface="Courier"/>
+                <a:cs typeface="Courier"/>
+              </a:rPr>
+              <a:t>-</a:t>
+            </a:r>
+            <a:r>
+              <a:rPr lang="en-US" sz="1400" smtClean="0">
+                <a:latin typeface="Courier"/>
+                <a:cs typeface="Courier"/>
+              </a:rPr>
+              <a:t>baselinefeats.model</a:t>
             </a:r>
             <a:endParaRPr lang="en-US" sz="1400" dirty="0">
               <a:latin typeface="Courier"/>
@@ -15495,6 +15485,13 @@
   <p:clrMapOvr>
     <a:masterClrMapping/>
   </p:clrMapOvr>
+  <p:timing>
+    <p:tnLst>
+      <p:par>
+        <p:cTn xmlns:p14="http://schemas.microsoft.com/office/powerpoint/2010/main" id="1" dur="indefinite" restart="never" nodeType="tmRoot"/>
+      </p:par>
+    </p:tnLst>
+  </p:timing>
 </p:sld>
 </file>
 
@@ -16525,6 +16522,203 @@
   <p:clrMapOvr>
     <a:masterClrMapping/>
   </p:clrMapOvr>
+  <p:timing>
+    <p:tnLst>
+      <p:par>
+        <p:cTn xmlns:p14="http://schemas.microsoft.com/office/powerpoint/2010/main" id="1" dur="indefinite" restart="never" nodeType="tmRoot"/>
+      </p:par>
+    </p:tnLst>
+  </p:timing>
+</p:sld>
+</file>
+
+<file path=ppt/slides/slide14.xml><?xml version="1.0" encoding="utf-8"?>
+<p:sld xmlns:a="http://schemas.openxmlformats.org/drawingml/2006/main" xmlns:r="http://schemas.openxmlformats.org/officeDocument/2006/relationships" xmlns:p="http://schemas.openxmlformats.org/presentationml/2006/main">
+  <p:cSld>
+    <p:spTree>
+      <p:nvGrpSpPr>
+        <p:cNvPr id="1" name=""/>
+        <p:cNvGrpSpPr/>
+        <p:nvPr/>
+      </p:nvGrpSpPr>
+      <p:grpSpPr>
+        <a:xfrm>
+          <a:off x="0" y="0"/>
+          <a:ext cx="0" cy="0"/>
+          <a:chOff x="0" y="0"/>
+          <a:chExt cx="0" cy="0"/>
+        </a:xfrm>
+      </p:grpSpPr>
+      <p:sp>
+        <p:nvSpPr>
+          <p:cNvPr id="4" name="Rectangle 3"/>
+          <p:cNvSpPr/>
+          <p:nvPr/>
+        </p:nvSpPr>
+        <p:spPr>
+          <a:xfrm>
+            <a:off x="759346" y="2027237"/>
+            <a:ext cx="7481366" cy="3303160"/>
+          </a:xfrm>
+          <a:prstGeom prst="rect">
+            <a:avLst/>
+          </a:prstGeom>
+        </p:spPr>
+        <p:txBody>
+          <a:bodyPr wrap="square">
+            <a:spAutoFit/>
+          </a:bodyPr>
+          <a:lstStyle/>
+          <a:p>
+            <a:pPr lvl="1" algn="ctr"/>
+            <a:r>
+              <a:rPr lang="en-US" sz="2800" b="1" dirty="0" smtClean="0"/>
+              <a:t>All slides are in https</a:t>
+            </a:r>
+            <a:r>
+              <a:rPr lang="en-US" sz="2800" b="1" dirty="0"/>
+              <a:t>://</a:t>
+            </a:r>
+            <a:r>
+              <a:rPr lang="en-US" sz="2800" b="1" dirty="0" err="1"/>
+              <a:t>github.com</a:t>
+            </a:r>
+            <a:r>
+              <a:rPr lang="en-US" sz="2800" b="1" dirty="0"/>
+              <a:t>/</a:t>
+            </a:r>
+            <a:r>
+              <a:rPr lang="en-US" sz="2800" b="1" dirty="0" err="1">
+                <a:solidFill>
+                  <a:srgbClr val="FF0000"/>
+                </a:solidFill>
+              </a:rPr>
+              <a:t>iKernels</a:t>
+            </a:r>
+            <a:r>
+              <a:rPr lang="en-US" sz="2800" b="1" dirty="0">
+                <a:solidFill>
+                  <a:srgbClr val="FF0000"/>
+                </a:solidFill>
+              </a:rPr>
+              <a:t>/</a:t>
+            </a:r>
+            <a:r>
+              <a:rPr lang="en-US" sz="2800" b="1" dirty="0" err="1" smtClean="0">
+                <a:solidFill>
+                  <a:srgbClr val="FF0000"/>
+                </a:solidFill>
+              </a:rPr>
+              <a:t>RelTextRank</a:t>
+            </a:r>
+            <a:endParaRPr lang="en-US" sz="2800" b="1" dirty="0" smtClean="0">
+              <a:solidFill>
+                <a:srgbClr val="FF0000"/>
+              </a:solidFill>
+            </a:endParaRPr>
+          </a:p>
+          <a:p>
+            <a:pPr lvl="1" algn="ctr"/>
+            <a:r>
+              <a:rPr lang="en-US" sz="2800" b="1" dirty="0" smtClean="0"/>
+              <a:t>In in the </a:t>
+            </a:r>
+            <a:r>
+              <a:rPr lang="en-US" sz="2800" b="1" dirty="0" err="1" smtClean="0">
+                <a:solidFill>
+                  <a:srgbClr val="FF0000"/>
+                </a:solidFill>
+              </a:rPr>
+              <a:t>ainlp</a:t>
+            </a:r>
+            <a:r>
+              <a:rPr lang="en-US" sz="2800" b="1" dirty="0" smtClean="0">
+                <a:solidFill>
+                  <a:srgbClr val="FF0000"/>
+                </a:solidFill>
+              </a:rPr>
+              <a:t> </a:t>
+            </a:r>
+            <a:r>
+              <a:rPr lang="en-US" sz="2800" b="1" dirty="0" smtClean="0"/>
+              <a:t>slides folder</a:t>
+            </a:r>
+          </a:p>
+          <a:p>
+            <a:pPr lvl="1" algn="ctr"/>
+            <a:endParaRPr lang="en-US" sz="2800" b="1" dirty="0"/>
+          </a:p>
+          <a:p>
+            <a:pPr lvl="1" algn="ctr"/>
+            <a:r>
+              <a:rPr lang="en-US" sz="2800" b="1" dirty="0" smtClean="0"/>
+              <a:t>Please us the instructions </a:t>
+            </a:r>
+            <a:r>
+              <a:rPr lang="en-US" sz="2800" b="1" dirty="0" smtClean="0">
+                <a:solidFill>
+                  <a:srgbClr val="FF0000"/>
+                </a:solidFill>
+              </a:rPr>
+              <a:t>on </a:t>
+            </a:r>
+            <a:r>
+              <a:rPr lang="en-US" sz="2800" b="1" dirty="0" err="1" smtClean="0">
+                <a:solidFill>
+                  <a:srgbClr val="FF0000"/>
+                </a:solidFill>
+              </a:rPr>
+              <a:t>github</a:t>
+            </a:r>
+            <a:r>
+              <a:rPr lang="en-US" sz="2800" b="1" dirty="0" smtClean="0">
+                <a:solidFill>
+                  <a:srgbClr val="FF0000"/>
+                </a:solidFill>
+              </a:rPr>
+              <a:t> for installing</a:t>
+            </a:r>
+            <a:r>
+              <a:rPr lang="en-US" sz="2800" b="1" dirty="0" smtClean="0"/>
+              <a:t>, and </a:t>
+            </a:r>
+            <a:r>
+              <a:rPr lang="en-US" sz="2800" b="1" dirty="0" smtClean="0">
+                <a:solidFill>
+                  <a:srgbClr val="FF0000"/>
+                </a:solidFill>
+              </a:rPr>
+              <a:t>instructions on these slides for running the experiments</a:t>
+            </a:r>
+            <a:endParaRPr lang="en-US" sz="2800" b="1" dirty="0">
+              <a:solidFill>
+                <a:srgbClr val="FF0000"/>
+              </a:solidFill>
+            </a:endParaRPr>
+          </a:p>
+          <a:p>
+            <a:pPr lvl="1"/>
+            <a:endParaRPr lang="en-US" sz="2800" b="1" u="sng" dirty="0"/>
+          </a:p>
+        </p:txBody>
+      </p:sp>
+    </p:spTree>
+    <p:extLst>
+      <p:ext uri="{BB962C8B-B14F-4D97-AF65-F5344CB8AC3E}">
+        <p14:creationId xmlns:p14="http://schemas.microsoft.com/office/powerpoint/2010/main" val="1980313632"/>
+      </p:ext>
+    </p:extLst>
+  </p:cSld>
+  <p:clrMapOvr>
+    <a:masterClrMapping/>
+  </p:clrMapOvr>
+  <p:timing>
+    <p:tnLst>
+      <p:par>
+        <p:cTn xmlns:p14="http://schemas.microsoft.com/office/powerpoint/2010/main" id="1" dur="indefinite" restart="never" nodeType="tmRoot"/>
+      </p:par>
+    </p:tnLst>
+  </p:timing>
 </p:sld>
 </file>
 
@@ -16644,15 +16838,7 @@
           <a:p>
             <a:r>
               <a:rPr lang="en-US" dirty="0" smtClean="0"/>
-              <a:t>We </a:t>
-            </a:r>
-            <a:r>
-              <a:rPr lang="en-US" dirty="0" smtClean="0"/>
-              <a:t>will build shallow structures with the relational </a:t>
-            </a:r>
-            <a:r>
-              <a:rPr lang="en-US" dirty="0" smtClean="0"/>
-              <a:t>links for the </a:t>
+              <a:t>We will build shallow structures with the relational links for the </a:t>
             </a:r>
             <a:r>
               <a:rPr lang="en-US" dirty="0" err="1" smtClean="0"/>
@@ -16662,7 +16848,6 @@
               <a:rPr lang="en-US" dirty="0" smtClean="0"/>
               <a:t> corpus</a:t>
             </a:r>
-            <a:endParaRPr lang="en-US" dirty="0" smtClean="0"/>
           </a:p>
         </p:txBody>
       </p:sp>
@@ -16784,11 +16969,7 @@
             </a:r>
             <a:r>
               <a:rPr lang="en-US" dirty="0" err="1" smtClean="0"/>
-              <a:t>RelText</a:t>
-            </a:r>
-            <a:r>
-              <a:rPr lang="en-US" dirty="0" err="1" smtClean="0"/>
-              <a:t>Rank</a:t>
+              <a:t>RelTextRank</a:t>
             </a:r>
             <a:r>
               <a:rPr lang="en-US" dirty="0" smtClean="0"/>
@@ -17520,10 +17701,6 @@
               </a:rPr>
               <a:t> works</a:t>
             </a:r>
-            <a:endParaRPr lang="en-US" sz="1600" dirty="0">
-              <a:latin typeface="Courier"/>
-              <a:cs typeface="Courier"/>
-            </a:endParaRPr>
           </a:p>
         </p:txBody>
       </p:sp>
@@ -17568,7 +17745,6 @@
               <a:rPr lang="en-US" b="1" dirty="0"/>
               <a:t> </a:t>
             </a:r>
-            <a:endParaRPr lang="en-US" b="1" dirty="0"/>
           </a:p>
         </p:txBody>
       </p:sp>
@@ -17912,10 +18088,6 @@
               </a:rPr>
               <a:t> A glacier cave is a cave formed within the ice of a glacier .</a:t>
             </a:r>
-            <a:endParaRPr lang="en-US" sz="1600" dirty="0">
-              <a:latin typeface="Courier"/>
-              <a:cs typeface="Courier"/>
-            </a:endParaRPr>
           </a:p>
         </p:txBody>
       </p:sp>
@@ -19192,6 +19364,13 @@
   <p:clrMapOvr>
     <a:masterClrMapping/>
   </p:clrMapOvr>
+  <p:timing>
+    <p:tnLst>
+      <p:par>
+        <p:cTn xmlns:p14="http://schemas.microsoft.com/office/powerpoint/2010/main" id="1" dur="indefinite" restart="never" nodeType="tmRoot"/>
+      </p:par>
+    </p:tnLst>
+  </p:timing>
 </p:sld>
 </file>
 
@@ -20381,10 +20560,1913 @@
   <p:clrMapOvr>
     <a:masterClrMapping/>
   </p:clrMapOvr>
+  <p:timing>
+    <p:tnLst>
+      <p:par>
+        <p:cTn xmlns:p14="http://schemas.microsoft.com/office/powerpoint/2010/main" id="1" dur="indefinite" restart="never" nodeType="tmRoot"/>
+      </p:par>
+    </p:tnLst>
+  </p:timing>
 </p:sld>
 </file>
 
 <file path=ppt/slides/slide7.xml><?xml version="1.0" encoding="utf-8"?>
+<p:sld xmlns:a="http://schemas.openxmlformats.org/drawingml/2006/main" xmlns:r="http://schemas.openxmlformats.org/officeDocument/2006/relationships" xmlns:p="http://schemas.openxmlformats.org/presentationml/2006/main">
+  <p:cSld>
+    <p:spTree>
+      <p:nvGrpSpPr>
+        <p:cNvPr id="1" name=""/>
+        <p:cNvGrpSpPr/>
+        <p:nvPr/>
+      </p:nvGrpSpPr>
+      <p:grpSpPr>
+        <a:xfrm>
+          <a:off x="0" y="0"/>
+          <a:ext cx="0" cy="0"/>
+          <a:chOff x="0" y="0"/>
+          <a:chExt cx="0" cy="0"/>
+        </a:xfrm>
+      </p:grpSpPr>
+      <p:sp>
+        <p:nvSpPr>
+          <p:cNvPr id="2" name="Title 1"/>
+          <p:cNvSpPr>
+            <a:spLocks noGrp="1"/>
+          </p:cNvSpPr>
+          <p:nvPr>
+            <p:ph type="title"/>
+          </p:nvPr>
+        </p:nvSpPr>
+        <p:spPr/>
+        <p:txBody>
+          <a:bodyPr/>
+          <a:lstStyle/>
+          <a:p>
+            <a:r>
+              <a:rPr lang="en-US" dirty="0" smtClean="0"/>
+              <a:t>Generating training data</a:t>
+            </a:r>
+            <a:endParaRPr lang="en-US" dirty="0"/>
+          </a:p>
+        </p:txBody>
+      </p:sp>
+      <p:sp>
+        <p:nvSpPr>
+          <p:cNvPr id="4" name="Rectangle 3"/>
+          <p:cNvSpPr/>
+          <p:nvPr/>
+        </p:nvSpPr>
+        <p:spPr>
+          <a:xfrm>
+            <a:off x="392112" y="2103437"/>
+            <a:ext cx="9448800" cy="1851635"/>
+          </a:xfrm>
+          <a:prstGeom prst="rect">
+            <a:avLst/>
+          </a:prstGeom>
+          <a:solidFill>
+            <a:schemeClr val="bg1">
+              <a:lumMod val="85000"/>
+            </a:schemeClr>
+          </a:solidFill>
+          <a:ln>
+            <a:solidFill>
+              <a:schemeClr val="bg1">
+                <a:lumMod val="85000"/>
+              </a:schemeClr>
+            </a:solidFill>
+          </a:ln>
+        </p:spPr>
+        <p:txBody>
+          <a:bodyPr wrap="square">
+            <a:spAutoFit/>
+          </a:bodyPr>
+          <a:lstStyle/>
+          <a:p>
+            <a:pPr>
+              <a:spcBef>
+                <a:spcPts val="600"/>
+              </a:spcBef>
+            </a:pPr>
+            <a:r>
+              <a:rPr lang="en-US" sz="1400" dirty="0">
+                <a:latin typeface="Courier"/>
+                <a:cs typeface="Courier"/>
+              </a:rPr>
+              <a:t>export CLASSPATH=bin/:target/dependency/*:target/</a:t>
+            </a:r>
+            <a:r>
+              <a:rPr lang="en-US" sz="1400" dirty="0" smtClean="0">
+                <a:latin typeface="Courier"/>
+                <a:cs typeface="Courier"/>
+              </a:rPr>
+              <a:t>classes</a:t>
+            </a:r>
+          </a:p>
+          <a:p>
+            <a:pPr>
+              <a:spcBef>
+                <a:spcPts val="600"/>
+              </a:spcBef>
+            </a:pPr>
+            <a:endParaRPr lang="en-US" sz="1400" dirty="0">
+              <a:latin typeface="Courier"/>
+              <a:cs typeface="Courier"/>
+            </a:endParaRPr>
+          </a:p>
+          <a:p>
+            <a:pPr>
+              <a:spcBef>
+                <a:spcPts val="600"/>
+              </a:spcBef>
+            </a:pPr>
+            <a:r>
+              <a:rPr lang="en-US" sz="1400" dirty="0">
+                <a:latin typeface="Courier"/>
+                <a:cs typeface="Courier"/>
+              </a:rPr>
+              <a:t>java -Xmx5G -Xss512m -</a:t>
+            </a:r>
+            <a:r>
+              <a:rPr lang="en-US" sz="1400" dirty="0" err="1">
+                <a:latin typeface="Courier"/>
+                <a:cs typeface="Courier"/>
+              </a:rPr>
+              <a:t>Dlogback.configurationFile</a:t>
+            </a:r>
+            <a:r>
+              <a:rPr lang="en-US" sz="1400" dirty="0">
+                <a:latin typeface="Courier"/>
+                <a:cs typeface="Courier"/>
+              </a:rPr>
+              <a:t>=resources/</a:t>
+            </a:r>
+            <a:r>
+              <a:rPr lang="en-US" sz="1400" dirty="0" err="1" smtClean="0">
+                <a:latin typeface="Courier"/>
+                <a:cs typeface="Courier"/>
+              </a:rPr>
+              <a:t>logback.xml</a:t>
+            </a:r>
+            <a:r>
+              <a:rPr lang="en-US" sz="1400" dirty="0" smtClean="0">
+                <a:latin typeface="Courier"/>
+                <a:cs typeface="Courier"/>
+              </a:rPr>
+              <a:t> </a:t>
+            </a:r>
+            <a:r>
+              <a:rPr lang="en-US" sz="1400" dirty="0" err="1" smtClean="0">
+                <a:latin typeface="Courier"/>
+                <a:cs typeface="Courier"/>
+              </a:rPr>
+              <a:t>it.unitn.nlpir.system.core.ClassTextPairConversion</a:t>
+            </a:r>
+            <a:r>
+              <a:rPr lang="en-US" sz="1400" dirty="0" smtClean="0">
+                <a:latin typeface="Courier"/>
+                <a:cs typeface="Courier"/>
+              </a:rPr>
+              <a:t> </a:t>
+            </a:r>
+            <a:r>
+              <a:rPr lang="en-US" sz="1400" b="1" dirty="0">
+                <a:latin typeface="Courier"/>
+                <a:cs typeface="Courier"/>
+              </a:rPr>
+              <a:t>-</a:t>
+            </a:r>
+            <a:r>
+              <a:rPr lang="en-US" sz="1400" b="1" dirty="0" err="1">
+                <a:latin typeface="Courier"/>
+                <a:cs typeface="Courier"/>
+              </a:rPr>
+              <a:t>questionsPath</a:t>
+            </a:r>
+            <a:r>
+              <a:rPr lang="en-US" sz="1400" b="1" dirty="0">
+                <a:latin typeface="Courier"/>
+                <a:cs typeface="Courier"/>
+              </a:rPr>
+              <a:t> </a:t>
+            </a:r>
+            <a:r>
+              <a:rPr lang="en-US" sz="1400" dirty="0">
+                <a:latin typeface="Courier"/>
+                <a:cs typeface="Courier"/>
+              </a:rPr>
+              <a:t>data/</a:t>
+            </a:r>
+            <a:r>
+              <a:rPr lang="en-US" sz="1400" dirty="0" err="1">
+                <a:latin typeface="Courier"/>
+                <a:cs typeface="Courier"/>
+              </a:rPr>
+              <a:t>wikiQA</a:t>
+            </a:r>
+            <a:r>
+              <a:rPr lang="en-US" sz="1400" dirty="0">
+                <a:latin typeface="Courier"/>
+                <a:cs typeface="Courier"/>
+              </a:rPr>
+              <a:t>/</a:t>
+            </a:r>
+            <a:r>
+              <a:rPr lang="en-US" sz="1400" dirty="0" err="1">
+                <a:latin typeface="Courier"/>
+                <a:cs typeface="Courier"/>
+              </a:rPr>
+              <a:t>WikiQA-train.questions.txt</a:t>
+            </a:r>
+            <a:r>
+              <a:rPr lang="en-US" sz="1400" dirty="0">
+                <a:latin typeface="Courier"/>
+                <a:cs typeface="Courier"/>
+              </a:rPr>
+              <a:t> </a:t>
+            </a:r>
+            <a:r>
+              <a:rPr lang="en-US" sz="1400" b="1" dirty="0">
+                <a:latin typeface="Courier"/>
+                <a:cs typeface="Courier"/>
+              </a:rPr>
+              <a:t>-</a:t>
+            </a:r>
+            <a:r>
+              <a:rPr lang="en-US" sz="1400" b="1" dirty="0" err="1">
+                <a:latin typeface="Courier"/>
+                <a:cs typeface="Courier"/>
+              </a:rPr>
+              <a:t>answersPath</a:t>
+            </a:r>
+            <a:r>
+              <a:rPr lang="en-US" sz="1400" b="1" dirty="0">
+                <a:latin typeface="Courier"/>
+                <a:cs typeface="Courier"/>
+              </a:rPr>
+              <a:t> </a:t>
+            </a:r>
+            <a:r>
+              <a:rPr lang="en-US" sz="1400" dirty="0">
+                <a:latin typeface="Courier"/>
+                <a:cs typeface="Courier"/>
+              </a:rPr>
+              <a:t>data/</a:t>
+            </a:r>
+            <a:r>
+              <a:rPr lang="en-US" sz="1400" dirty="0" err="1">
+                <a:latin typeface="Courier"/>
+                <a:cs typeface="Courier"/>
+              </a:rPr>
+              <a:t>wikiQA</a:t>
+            </a:r>
+            <a:r>
+              <a:rPr lang="en-US" sz="1400" dirty="0">
+                <a:latin typeface="Courier"/>
+                <a:cs typeface="Courier"/>
+              </a:rPr>
+              <a:t>/</a:t>
+            </a:r>
+            <a:r>
+              <a:rPr lang="en-US" sz="1400" dirty="0" err="1">
+                <a:latin typeface="Courier"/>
+                <a:cs typeface="Courier"/>
+              </a:rPr>
+              <a:t>WikiQA-train.tsv.resultset</a:t>
+            </a:r>
+            <a:r>
+              <a:rPr lang="en-US" sz="1400" dirty="0">
+                <a:latin typeface="Courier"/>
+                <a:cs typeface="Courier"/>
+              </a:rPr>
+              <a:t> </a:t>
+            </a:r>
+            <a:r>
+              <a:rPr lang="en-US" sz="1400" b="1" dirty="0">
+                <a:latin typeface="Courier"/>
+                <a:cs typeface="Courier"/>
+              </a:rPr>
+              <a:t>-</a:t>
+            </a:r>
+            <a:r>
+              <a:rPr lang="en-US" sz="1400" b="1" dirty="0" err="1">
+                <a:latin typeface="Courier"/>
+                <a:cs typeface="Courier"/>
+              </a:rPr>
+              <a:t>outputDir</a:t>
+            </a:r>
+            <a:r>
+              <a:rPr lang="en-US" sz="1400" b="1" dirty="0">
+                <a:latin typeface="Courier"/>
+                <a:cs typeface="Courier"/>
+              </a:rPr>
+              <a:t> </a:t>
+            </a:r>
+            <a:r>
+              <a:rPr lang="en-US" sz="1400" dirty="0">
+                <a:latin typeface="Courier"/>
+                <a:cs typeface="Courier"/>
+              </a:rPr>
+              <a:t>data/examples/</a:t>
+            </a:r>
+            <a:r>
+              <a:rPr lang="en-US" sz="1400" dirty="0" err="1">
+                <a:latin typeface="Courier"/>
+                <a:cs typeface="Courier"/>
+              </a:rPr>
+              <a:t>wikiqa</a:t>
+            </a:r>
+            <a:r>
+              <a:rPr lang="en-US" sz="1400" dirty="0">
+                <a:latin typeface="Courier"/>
+                <a:cs typeface="Courier"/>
+              </a:rPr>
+              <a:t> </a:t>
+            </a:r>
+            <a:r>
+              <a:rPr lang="en-US" sz="1400" b="1" dirty="0">
+                <a:latin typeface="Courier"/>
+                <a:cs typeface="Courier"/>
+              </a:rPr>
+              <a:t>-</a:t>
+            </a:r>
+            <a:r>
+              <a:rPr lang="en-US" sz="1400" b="1" dirty="0" err="1">
+                <a:latin typeface="Courier"/>
+                <a:cs typeface="Courier"/>
+              </a:rPr>
+              <a:t>filePersistence</a:t>
+            </a:r>
+            <a:r>
+              <a:rPr lang="en-US" sz="1400" b="1" dirty="0">
+                <a:latin typeface="Courier"/>
+                <a:cs typeface="Courier"/>
+              </a:rPr>
+              <a:t> </a:t>
+            </a:r>
+            <a:r>
+              <a:rPr lang="en-US" sz="1400" dirty="0" err="1">
+                <a:latin typeface="Courier"/>
+                <a:cs typeface="Courier"/>
+              </a:rPr>
+              <a:t>CASes</a:t>
+            </a:r>
+            <a:r>
+              <a:rPr lang="en-US" sz="1400" dirty="0">
+                <a:latin typeface="Courier"/>
+                <a:cs typeface="Courier"/>
+              </a:rPr>
+              <a:t>/</a:t>
+            </a:r>
+            <a:r>
+              <a:rPr lang="en-US" sz="1400" dirty="0" err="1">
+                <a:latin typeface="Courier"/>
+                <a:cs typeface="Courier"/>
+              </a:rPr>
+              <a:t>wikiQA</a:t>
+            </a:r>
+            <a:r>
+              <a:rPr lang="en-US" sz="1400" dirty="0">
+                <a:latin typeface="Courier"/>
+                <a:cs typeface="Courier"/>
+              </a:rPr>
+              <a:t> </a:t>
+            </a:r>
+            <a:r>
+              <a:rPr lang="en-US" sz="1400" b="1" dirty="0">
+                <a:latin typeface="Courier"/>
+                <a:cs typeface="Courier"/>
+              </a:rPr>
+              <a:t>-</a:t>
+            </a:r>
+            <a:r>
+              <a:rPr lang="en-US" sz="1400" b="1" dirty="0" err="1">
+                <a:latin typeface="Courier"/>
+                <a:cs typeface="Courier"/>
+              </a:rPr>
+              <a:t>candidatesToKeep</a:t>
+            </a:r>
+            <a:r>
+              <a:rPr lang="en-US" sz="1400" b="1" dirty="0">
+                <a:latin typeface="Courier"/>
+                <a:cs typeface="Courier"/>
+              </a:rPr>
+              <a:t> </a:t>
+            </a:r>
+            <a:r>
+              <a:rPr lang="en-US" sz="1400" dirty="0">
+                <a:latin typeface="Courier"/>
+                <a:cs typeface="Courier"/>
+              </a:rPr>
+              <a:t>10 </a:t>
+            </a:r>
+            <a:r>
+              <a:rPr lang="en-US" sz="1400" b="1" dirty="0">
+                <a:latin typeface="Courier"/>
+                <a:cs typeface="Courier"/>
+              </a:rPr>
+              <a:t>-mode</a:t>
+            </a:r>
+            <a:r>
+              <a:rPr lang="en-US" sz="1400" dirty="0">
+                <a:latin typeface="Courier"/>
+                <a:cs typeface="Courier"/>
+              </a:rPr>
+              <a:t> train </a:t>
+            </a:r>
+            <a:r>
+              <a:rPr lang="en-US" sz="1400" dirty="0" smtClean="0">
+                <a:latin typeface="Courier"/>
+                <a:cs typeface="Courier"/>
+              </a:rPr>
+              <a:t>   </a:t>
+            </a:r>
+            <a:r>
+              <a:rPr lang="en-US" sz="1400" b="1" dirty="0" smtClean="0">
+                <a:latin typeface="Courier"/>
+                <a:cs typeface="Courier"/>
+              </a:rPr>
+              <a:t>-</a:t>
+            </a:r>
+            <a:r>
+              <a:rPr lang="en-US" sz="1400" b="1" dirty="0" err="1">
+                <a:latin typeface="Courier"/>
+                <a:cs typeface="Courier"/>
+              </a:rPr>
+              <a:t>expClassName</a:t>
+            </a:r>
+            <a:r>
+              <a:rPr lang="en-US" sz="1400" b="1" dirty="0">
+                <a:latin typeface="Courier"/>
+                <a:cs typeface="Courier"/>
+              </a:rPr>
+              <a:t> </a:t>
+            </a:r>
+            <a:r>
+              <a:rPr lang="en-US" sz="1400" dirty="0" err="1">
+                <a:latin typeface="Courier"/>
+                <a:cs typeface="Courier"/>
+              </a:rPr>
+              <a:t>it.unitn.nlpir.experiment.fqa.CHExperiment</a:t>
+            </a:r>
+            <a:r>
+              <a:rPr lang="en-US" sz="1400" dirty="0">
+                <a:latin typeface="Courier"/>
+                <a:cs typeface="Courier"/>
+              </a:rPr>
+              <a:t> </a:t>
+            </a:r>
+            <a:r>
+              <a:rPr lang="en-US" sz="1400" b="1" dirty="0">
+                <a:latin typeface="Courier"/>
+                <a:cs typeface="Courier"/>
+              </a:rPr>
+              <a:t>-</a:t>
+            </a:r>
+            <a:r>
+              <a:rPr lang="en-US" sz="1400" b="1" dirty="0" err="1">
+                <a:latin typeface="Courier"/>
+                <a:cs typeface="Courier"/>
+              </a:rPr>
+              <a:t>featureExtractorClass</a:t>
+            </a:r>
+            <a:r>
+              <a:rPr lang="en-US" sz="1400" b="1" dirty="0">
+                <a:latin typeface="Courier"/>
+                <a:cs typeface="Courier"/>
+              </a:rPr>
+              <a:t> </a:t>
+            </a:r>
+            <a:r>
+              <a:rPr lang="en-US" sz="1400" dirty="0" err="1" smtClean="0">
+                <a:latin typeface="Courier"/>
+                <a:cs typeface="Courier"/>
+              </a:rPr>
+              <a:t>it.unitn.nlpir.features.presets.BaselineFeatures</a:t>
+            </a:r>
+            <a:r>
+              <a:rPr lang="en-US" sz="1400" dirty="0">
+                <a:latin typeface="Courier"/>
+                <a:cs typeface="Courier"/>
+              </a:rPr>
+              <a:t> </a:t>
+            </a:r>
+            <a:r>
+              <a:rPr lang="en-US" sz="1400" b="1" dirty="0">
+                <a:latin typeface="Courier"/>
+                <a:cs typeface="Courier"/>
+              </a:rPr>
+              <a:t>-</a:t>
+            </a:r>
+            <a:r>
+              <a:rPr lang="en-US" sz="1400" b="1" dirty="0" err="1">
+                <a:latin typeface="Courier"/>
+                <a:cs typeface="Courier"/>
+              </a:rPr>
+              <a:t>expConfigPath</a:t>
+            </a:r>
+            <a:r>
+              <a:rPr lang="en-US" sz="1400" b="1" dirty="0">
+                <a:latin typeface="Courier"/>
+                <a:cs typeface="Courier"/>
+              </a:rPr>
+              <a:t> </a:t>
+            </a:r>
+            <a:r>
+              <a:rPr lang="en-US" sz="1400" dirty="0" err="1">
+                <a:latin typeface="Courier"/>
+                <a:cs typeface="Courier"/>
+              </a:rPr>
+              <a:t>config</a:t>
+            </a:r>
+            <a:r>
+              <a:rPr lang="en-US" sz="1400" dirty="0">
+                <a:latin typeface="Courier"/>
+                <a:cs typeface="Courier"/>
+              </a:rPr>
+              <a:t>/</a:t>
+            </a:r>
+            <a:r>
+              <a:rPr lang="en-US" sz="1400" dirty="0" err="1">
+                <a:latin typeface="Courier"/>
+                <a:cs typeface="Courier"/>
+              </a:rPr>
+              <a:t>original.config</a:t>
+            </a:r>
+            <a:r>
+              <a:rPr lang="en-US" sz="1400" dirty="0">
+                <a:latin typeface="Courier"/>
+                <a:cs typeface="Courier"/>
+              </a:rPr>
+              <a:t> </a:t>
+            </a:r>
+          </a:p>
+        </p:txBody>
+      </p:sp>
+      <p:sp>
+        <p:nvSpPr>
+          <p:cNvPr id="5" name="Rectangle 4"/>
+          <p:cNvSpPr/>
+          <p:nvPr/>
+        </p:nvSpPr>
+        <p:spPr>
+          <a:xfrm>
+            <a:off x="468312" y="1646237"/>
+            <a:ext cx="1852002" cy="353174"/>
+          </a:xfrm>
+          <a:prstGeom prst="rect">
+            <a:avLst/>
+          </a:prstGeom>
+        </p:spPr>
+        <p:txBody>
+          <a:bodyPr wrap="none">
+            <a:spAutoFit/>
+          </a:bodyPr>
+          <a:lstStyle/>
+          <a:p>
+            <a:r>
+              <a:rPr lang="en-US" b="1" dirty="0" smtClean="0"/>
+              <a:t>Complete data:</a:t>
+            </a:r>
+            <a:endParaRPr lang="en-US" b="1" dirty="0"/>
+          </a:p>
+        </p:txBody>
+      </p:sp>
+      <p:sp>
+        <p:nvSpPr>
+          <p:cNvPr id="6" name="Rectangle 5"/>
+          <p:cNvSpPr/>
+          <p:nvPr/>
+        </p:nvSpPr>
+        <p:spPr>
+          <a:xfrm>
+            <a:off x="544512" y="4389437"/>
+            <a:ext cx="8056638" cy="353174"/>
+          </a:xfrm>
+          <a:prstGeom prst="rect">
+            <a:avLst/>
+          </a:prstGeom>
+        </p:spPr>
+        <p:txBody>
+          <a:bodyPr wrap="none">
+            <a:spAutoFit/>
+          </a:bodyPr>
+          <a:lstStyle/>
+          <a:p>
+            <a:r>
+              <a:rPr lang="en-US" b="1" dirty="0" smtClean="0"/>
+              <a:t>To make it faster , you can use a subset of examples (will perform </a:t>
+            </a:r>
+            <a:r>
+              <a:rPr lang="en-US" b="1" dirty="0" err="1" smtClean="0"/>
+              <a:t>wors</a:t>
+            </a:r>
+            <a:r>
+              <a:rPr lang="en-US" b="1" dirty="0" smtClean="0"/>
+              <a:t>):</a:t>
+            </a:r>
+            <a:endParaRPr lang="en-US" b="1" dirty="0"/>
+          </a:p>
+        </p:txBody>
+      </p:sp>
+      <p:sp>
+        <p:nvSpPr>
+          <p:cNvPr id="7" name="Rectangle 6"/>
+          <p:cNvSpPr/>
+          <p:nvPr/>
+        </p:nvSpPr>
+        <p:spPr>
+          <a:xfrm>
+            <a:off x="468312" y="4846637"/>
+            <a:ext cx="9448800" cy="1851635"/>
+          </a:xfrm>
+          <a:prstGeom prst="rect">
+            <a:avLst/>
+          </a:prstGeom>
+          <a:solidFill>
+            <a:schemeClr val="bg1">
+              <a:lumMod val="85000"/>
+            </a:schemeClr>
+          </a:solidFill>
+          <a:ln>
+            <a:solidFill>
+              <a:schemeClr val="bg1">
+                <a:lumMod val="85000"/>
+              </a:schemeClr>
+            </a:solidFill>
+          </a:ln>
+        </p:spPr>
+        <p:txBody>
+          <a:bodyPr wrap="square">
+            <a:spAutoFit/>
+          </a:bodyPr>
+          <a:lstStyle/>
+          <a:p>
+            <a:pPr>
+              <a:spcBef>
+                <a:spcPts val="600"/>
+              </a:spcBef>
+            </a:pPr>
+            <a:r>
+              <a:rPr lang="en-US" sz="1400" dirty="0">
+                <a:latin typeface="Courier"/>
+                <a:cs typeface="Courier"/>
+              </a:rPr>
+              <a:t>export CLASSPATH=bin/:target/dependency/*:target/</a:t>
+            </a:r>
+            <a:r>
+              <a:rPr lang="en-US" sz="1400" dirty="0" smtClean="0">
+                <a:latin typeface="Courier"/>
+                <a:cs typeface="Courier"/>
+              </a:rPr>
+              <a:t>classes</a:t>
+            </a:r>
+          </a:p>
+          <a:p>
+            <a:pPr>
+              <a:spcBef>
+                <a:spcPts val="600"/>
+              </a:spcBef>
+            </a:pPr>
+            <a:r>
+              <a:rPr lang="en-US" sz="1400" b="1" dirty="0">
+                <a:latin typeface="Courier"/>
+                <a:cs typeface="Courier"/>
+              </a:rPr>
+              <a:t>h</a:t>
+            </a:r>
+            <a:r>
+              <a:rPr lang="en-US" sz="1400" b="1" dirty="0" smtClean="0">
+                <a:latin typeface="Courier"/>
+                <a:cs typeface="Courier"/>
+              </a:rPr>
+              <a:t>ead </a:t>
+            </a:r>
+            <a:r>
+              <a:rPr lang="en-US" sz="1400" dirty="0" smtClean="0">
+                <a:latin typeface="Courier"/>
+                <a:cs typeface="Courier"/>
+              </a:rPr>
+              <a:t>-300 data</a:t>
+            </a:r>
+            <a:r>
+              <a:rPr lang="en-US" sz="1400" dirty="0">
+                <a:latin typeface="Courier"/>
+                <a:cs typeface="Courier"/>
+              </a:rPr>
+              <a:t>/</a:t>
+            </a:r>
+            <a:r>
+              <a:rPr lang="en-US" sz="1400" dirty="0" err="1">
+                <a:latin typeface="Courier"/>
+                <a:cs typeface="Courier"/>
+              </a:rPr>
+              <a:t>wikiQA</a:t>
+            </a:r>
+            <a:r>
+              <a:rPr lang="en-US" sz="1400" dirty="0">
+                <a:latin typeface="Courier"/>
+                <a:cs typeface="Courier"/>
+              </a:rPr>
+              <a:t>/</a:t>
+            </a:r>
+            <a:r>
+              <a:rPr lang="en-US" sz="1400" dirty="0" err="1">
+                <a:latin typeface="Courier"/>
+                <a:cs typeface="Courier"/>
+              </a:rPr>
+              <a:t>WikiQA-</a:t>
+            </a:r>
+            <a:r>
+              <a:rPr lang="en-US" sz="1400" dirty="0" err="1" smtClean="0">
+                <a:latin typeface="Courier"/>
+                <a:cs typeface="Courier"/>
+              </a:rPr>
+              <a:t>train.questions.txt</a:t>
+            </a:r>
+            <a:r>
+              <a:rPr lang="en-US" sz="1400" dirty="0" smtClean="0">
+                <a:latin typeface="Courier"/>
+                <a:cs typeface="Courier"/>
+              </a:rPr>
+              <a:t> &gt; </a:t>
+            </a:r>
+            <a:r>
+              <a:rPr lang="en-US" sz="1400" b="1" dirty="0">
+                <a:latin typeface="Courier"/>
+                <a:cs typeface="Courier"/>
+              </a:rPr>
+              <a:t>data/</a:t>
+            </a:r>
+            <a:r>
+              <a:rPr lang="en-US" sz="1400" b="1" dirty="0" err="1">
+                <a:latin typeface="Courier"/>
+                <a:cs typeface="Courier"/>
+              </a:rPr>
+              <a:t>wikiQA</a:t>
+            </a:r>
+            <a:r>
+              <a:rPr lang="en-US" sz="1400" b="1" dirty="0" smtClean="0">
+                <a:latin typeface="Courier"/>
+                <a:cs typeface="Courier"/>
+              </a:rPr>
+              <a:t>/train300.questions.txt </a:t>
+            </a:r>
+            <a:endParaRPr lang="en-US" sz="1400" b="1" dirty="0">
+              <a:latin typeface="Courier"/>
+              <a:cs typeface="Courier"/>
+            </a:endParaRPr>
+          </a:p>
+          <a:p>
+            <a:pPr>
+              <a:spcBef>
+                <a:spcPts val="600"/>
+              </a:spcBef>
+            </a:pPr>
+            <a:r>
+              <a:rPr lang="en-US" sz="1400" dirty="0" smtClean="0">
+                <a:latin typeface="Courier"/>
+                <a:cs typeface="Courier"/>
+              </a:rPr>
+              <a:t>java </a:t>
+            </a:r>
+            <a:r>
+              <a:rPr lang="en-US" sz="1400" dirty="0">
+                <a:latin typeface="Courier"/>
+                <a:cs typeface="Courier"/>
+              </a:rPr>
+              <a:t>-Xmx5G -Xss512m </a:t>
+            </a:r>
+            <a:r>
+              <a:rPr lang="en-US" sz="1400" dirty="0" smtClean="0">
+                <a:latin typeface="Courier"/>
+                <a:cs typeface="Courier"/>
+              </a:rPr>
+              <a:t>-</a:t>
+            </a:r>
+            <a:r>
+              <a:rPr lang="en-US" sz="1400" dirty="0" err="1" smtClean="0">
+                <a:latin typeface="Courier"/>
+                <a:cs typeface="Courier"/>
+              </a:rPr>
+              <a:t>Dlogback.configurationFile</a:t>
+            </a:r>
+            <a:r>
+              <a:rPr lang="en-US" sz="1400" dirty="0">
+                <a:latin typeface="Courier"/>
+                <a:cs typeface="Courier"/>
+              </a:rPr>
+              <a:t>=resources/</a:t>
+            </a:r>
+            <a:r>
+              <a:rPr lang="en-US" sz="1400" dirty="0" err="1" smtClean="0">
+                <a:latin typeface="Courier"/>
+                <a:cs typeface="Courier"/>
+              </a:rPr>
+              <a:t>logback.xml</a:t>
+            </a:r>
+            <a:r>
+              <a:rPr lang="en-US" sz="1400" dirty="0" smtClean="0">
+                <a:latin typeface="Courier"/>
+                <a:cs typeface="Courier"/>
+              </a:rPr>
+              <a:t> </a:t>
+            </a:r>
+            <a:r>
+              <a:rPr lang="en-US" sz="1400" dirty="0" err="1" smtClean="0">
+                <a:latin typeface="Courier"/>
+                <a:cs typeface="Courier"/>
+              </a:rPr>
+              <a:t>it.unitn.nlpir.system.core.ClassTextPairConversion</a:t>
+            </a:r>
+            <a:r>
+              <a:rPr lang="en-US" sz="1400" dirty="0" smtClean="0">
+                <a:latin typeface="Courier"/>
+                <a:cs typeface="Courier"/>
+              </a:rPr>
+              <a:t> </a:t>
+            </a:r>
+            <a:r>
+              <a:rPr lang="en-US" sz="1400" dirty="0">
+                <a:latin typeface="Courier"/>
+                <a:cs typeface="Courier"/>
+              </a:rPr>
+              <a:t>-</a:t>
+            </a:r>
+            <a:r>
+              <a:rPr lang="en-US" sz="1400" dirty="0" err="1">
+                <a:latin typeface="Courier"/>
+                <a:cs typeface="Courier"/>
+              </a:rPr>
+              <a:t>questionsPath</a:t>
+            </a:r>
+            <a:r>
+              <a:rPr lang="en-US" sz="1400" dirty="0">
+                <a:latin typeface="Courier"/>
+                <a:cs typeface="Courier"/>
+              </a:rPr>
+              <a:t> data/</a:t>
+            </a:r>
+            <a:r>
+              <a:rPr lang="en-US" sz="1400" dirty="0" err="1">
+                <a:latin typeface="Courier"/>
+                <a:cs typeface="Courier"/>
+              </a:rPr>
+              <a:t>wikiQA</a:t>
+            </a:r>
+            <a:r>
+              <a:rPr lang="en-US" sz="1400" dirty="0">
+                <a:latin typeface="Courier"/>
+                <a:cs typeface="Courier"/>
+              </a:rPr>
+              <a:t>/</a:t>
+            </a:r>
+            <a:r>
+              <a:rPr lang="en-US" sz="1400" b="1" dirty="0" smtClean="0">
+                <a:latin typeface="Courier"/>
+                <a:cs typeface="Courier"/>
+              </a:rPr>
+              <a:t>train300</a:t>
+            </a:r>
+            <a:r>
+              <a:rPr lang="en-US" sz="1400" b="1" dirty="0">
+                <a:latin typeface="Courier"/>
+                <a:cs typeface="Courier"/>
+              </a:rPr>
+              <a:t>.questions.txt </a:t>
+            </a:r>
+            <a:r>
+              <a:rPr lang="en-US" sz="1400" dirty="0" smtClean="0">
+                <a:latin typeface="Courier"/>
+                <a:cs typeface="Courier"/>
+              </a:rPr>
+              <a:t> </a:t>
+            </a:r>
+            <a:r>
+              <a:rPr lang="en-US" sz="1400" dirty="0">
+                <a:latin typeface="Courier"/>
+                <a:cs typeface="Courier"/>
+              </a:rPr>
+              <a:t>-</a:t>
+            </a:r>
+            <a:r>
+              <a:rPr lang="en-US" sz="1400" dirty="0" err="1">
+                <a:latin typeface="Courier"/>
+                <a:cs typeface="Courier"/>
+              </a:rPr>
+              <a:t>answersPath</a:t>
+            </a:r>
+            <a:r>
+              <a:rPr lang="en-US" sz="1400" dirty="0">
+                <a:latin typeface="Courier"/>
+                <a:cs typeface="Courier"/>
+              </a:rPr>
+              <a:t> data/</a:t>
+            </a:r>
+            <a:r>
+              <a:rPr lang="en-US" sz="1400" dirty="0" err="1">
+                <a:latin typeface="Courier"/>
+                <a:cs typeface="Courier"/>
+              </a:rPr>
+              <a:t>wikiQA</a:t>
+            </a:r>
+            <a:r>
+              <a:rPr lang="en-US" sz="1400" dirty="0">
+                <a:latin typeface="Courier"/>
+                <a:cs typeface="Courier"/>
+              </a:rPr>
+              <a:t>/</a:t>
+            </a:r>
+            <a:r>
+              <a:rPr lang="en-US" sz="1400" dirty="0" err="1">
+                <a:latin typeface="Courier"/>
+                <a:cs typeface="Courier"/>
+              </a:rPr>
+              <a:t>WikiQA-train.tsv.resultset</a:t>
+            </a:r>
+            <a:r>
+              <a:rPr lang="en-US" sz="1400" dirty="0">
+                <a:latin typeface="Courier"/>
+                <a:cs typeface="Courier"/>
+              </a:rPr>
+              <a:t> -</a:t>
+            </a:r>
+            <a:r>
+              <a:rPr lang="en-US" sz="1400" dirty="0" err="1">
+                <a:latin typeface="Courier"/>
+                <a:cs typeface="Courier"/>
+              </a:rPr>
+              <a:t>outputDir</a:t>
+            </a:r>
+            <a:r>
+              <a:rPr lang="en-US" sz="1400" dirty="0">
+                <a:latin typeface="Courier"/>
+                <a:cs typeface="Courier"/>
+              </a:rPr>
+              <a:t> data/examples/</a:t>
+            </a:r>
+            <a:r>
+              <a:rPr lang="en-US" sz="1400" dirty="0" err="1">
+                <a:latin typeface="Courier"/>
+                <a:cs typeface="Courier"/>
+              </a:rPr>
+              <a:t>wikiqa</a:t>
+            </a:r>
+            <a:r>
+              <a:rPr lang="en-US" sz="1400" dirty="0">
+                <a:latin typeface="Courier"/>
+                <a:cs typeface="Courier"/>
+              </a:rPr>
+              <a:t> -</a:t>
+            </a:r>
+            <a:r>
+              <a:rPr lang="en-US" sz="1400" dirty="0" err="1">
+                <a:latin typeface="Courier"/>
+                <a:cs typeface="Courier"/>
+              </a:rPr>
+              <a:t>filePersistence</a:t>
+            </a:r>
+            <a:r>
+              <a:rPr lang="en-US" sz="1400" dirty="0">
+                <a:latin typeface="Courier"/>
+                <a:cs typeface="Courier"/>
+              </a:rPr>
+              <a:t> </a:t>
+            </a:r>
+            <a:r>
+              <a:rPr lang="en-US" sz="1400" dirty="0" err="1">
+                <a:latin typeface="Courier"/>
+                <a:cs typeface="Courier"/>
+              </a:rPr>
+              <a:t>CASes</a:t>
+            </a:r>
+            <a:r>
+              <a:rPr lang="en-US" sz="1400" dirty="0">
+                <a:latin typeface="Courier"/>
+                <a:cs typeface="Courier"/>
+              </a:rPr>
+              <a:t>/</a:t>
+            </a:r>
+            <a:r>
+              <a:rPr lang="en-US" sz="1400" dirty="0" err="1">
+                <a:latin typeface="Courier"/>
+                <a:cs typeface="Courier"/>
+              </a:rPr>
+              <a:t>wikiQA</a:t>
+            </a:r>
+            <a:r>
+              <a:rPr lang="en-US" sz="1400" dirty="0">
+                <a:latin typeface="Courier"/>
+                <a:cs typeface="Courier"/>
+              </a:rPr>
+              <a:t> -</a:t>
+            </a:r>
+            <a:r>
+              <a:rPr lang="en-US" sz="1400" dirty="0" err="1">
+                <a:latin typeface="Courier"/>
+                <a:cs typeface="Courier"/>
+              </a:rPr>
+              <a:t>candidatesToKeep</a:t>
+            </a:r>
+            <a:r>
+              <a:rPr lang="en-US" sz="1400" dirty="0">
+                <a:latin typeface="Courier"/>
+                <a:cs typeface="Courier"/>
+              </a:rPr>
+              <a:t> 10 -mode train -</a:t>
+            </a:r>
+            <a:r>
+              <a:rPr lang="en-US" sz="1400" dirty="0" err="1">
+                <a:latin typeface="Courier"/>
+                <a:cs typeface="Courier"/>
+              </a:rPr>
+              <a:t>expClassName</a:t>
+            </a:r>
+            <a:r>
+              <a:rPr lang="en-US" sz="1400" dirty="0">
+                <a:latin typeface="Courier"/>
+                <a:cs typeface="Courier"/>
+              </a:rPr>
+              <a:t> </a:t>
+            </a:r>
+            <a:r>
+              <a:rPr lang="en-US" sz="1400" dirty="0" err="1">
+                <a:latin typeface="Courier"/>
+                <a:cs typeface="Courier"/>
+              </a:rPr>
+              <a:t>it.unitn.nlpir.experiment.fqa.CHExperiment</a:t>
+            </a:r>
+            <a:r>
+              <a:rPr lang="en-US" sz="1400" dirty="0">
+                <a:latin typeface="Courier"/>
+                <a:cs typeface="Courier"/>
+              </a:rPr>
+              <a:t> -</a:t>
+            </a:r>
+            <a:r>
+              <a:rPr lang="en-US" sz="1400" dirty="0" err="1">
+                <a:latin typeface="Courier"/>
+                <a:cs typeface="Courier"/>
+              </a:rPr>
+              <a:t>featureExtractorClass</a:t>
+            </a:r>
+            <a:r>
+              <a:rPr lang="en-US" sz="1400" dirty="0">
+                <a:latin typeface="Courier"/>
+                <a:cs typeface="Courier"/>
+              </a:rPr>
+              <a:t> </a:t>
+            </a:r>
+            <a:r>
+              <a:rPr lang="en-US" sz="1400" dirty="0" err="1" smtClean="0">
+                <a:latin typeface="Courier"/>
+                <a:cs typeface="Courier"/>
+              </a:rPr>
+              <a:t>it.unitn.nlpir.features.presets.BaselineFeatures</a:t>
+            </a:r>
+            <a:r>
+              <a:rPr lang="en-US" sz="1400" dirty="0">
+                <a:latin typeface="Courier"/>
+                <a:cs typeface="Courier"/>
+              </a:rPr>
+              <a:t> -</a:t>
+            </a:r>
+            <a:r>
+              <a:rPr lang="en-US" sz="1400" dirty="0" err="1">
+                <a:latin typeface="Courier"/>
+                <a:cs typeface="Courier"/>
+              </a:rPr>
+              <a:t>expConfigPath</a:t>
+            </a:r>
+            <a:r>
+              <a:rPr lang="en-US" sz="1400" dirty="0">
+                <a:latin typeface="Courier"/>
+                <a:cs typeface="Courier"/>
+              </a:rPr>
+              <a:t> </a:t>
+            </a:r>
+            <a:r>
+              <a:rPr lang="en-US" sz="1400" dirty="0" err="1">
+                <a:latin typeface="Courier"/>
+                <a:cs typeface="Courier"/>
+              </a:rPr>
+              <a:t>config</a:t>
+            </a:r>
+            <a:r>
+              <a:rPr lang="en-US" sz="1400" dirty="0">
+                <a:latin typeface="Courier"/>
+                <a:cs typeface="Courier"/>
+              </a:rPr>
+              <a:t>/</a:t>
+            </a:r>
+            <a:r>
+              <a:rPr lang="en-US" sz="1400" dirty="0" err="1">
+                <a:latin typeface="Courier"/>
+                <a:cs typeface="Courier"/>
+              </a:rPr>
+              <a:t>original.config</a:t>
+            </a:r>
+            <a:r>
+              <a:rPr lang="en-US" sz="1400" dirty="0">
+                <a:latin typeface="Courier"/>
+                <a:cs typeface="Courier"/>
+              </a:rPr>
+              <a:t> </a:t>
+            </a:r>
+          </a:p>
+        </p:txBody>
+      </p:sp>
+      <p:sp>
+        <p:nvSpPr>
+          <p:cNvPr id="9" name="Rectangle 8"/>
+          <p:cNvSpPr/>
+          <p:nvPr/>
+        </p:nvSpPr>
+        <p:spPr>
+          <a:xfrm>
+            <a:off x="620712" y="6751637"/>
+            <a:ext cx="6279634" cy="610783"/>
+          </a:xfrm>
+          <a:prstGeom prst="rect">
+            <a:avLst/>
+          </a:prstGeom>
+        </p:spPr>
+        <p:txBody>
+          <a:bodyPr wrap="none">
+            <a:spAutoFit/>
+          </a:bodyPr>
+          <a:lstStyle/>
+          <a:p>
+            <a:r>
+              <a:rPr lang="en-US" dirty="0" smtClean="0">
+                <a:latin typeface="Courier"/>
+                <a:cs typeface="Courier"/>
+              </a:rPr>
+              <a:t>OUTPUT is in data</a:t>
+            </a:r>
+            <a:r>
+              <a:rPr lang="en-US" dirty="0">
+                <a:latin typeface="Courier"/>
+                <a:cs typeface="Courier"/>
+              </a:rPr>
+              <a:t>/examples/</a:t>
+            </a:r>
+            <a:r>
+              <a:rPr lang="en-US" dirty="0" err="1" smtClean="0">
+                <a:latin typeface="Courier"/>
+                <a:cs typeface="Courier"/>
+              </a:rPr>
+              <a:t>wikiqa</a:t>
+            </a:r>
+            <a:r>
+              <a:rPr lang="en-US" dirty="0" smtClean="0">
+                <a:latin typeface="Courier"/>
+                <a:cs typeface="Courier"/>
+              </a:rPr>
+              <a:t>/</a:t>
+            </a:r>
+            <a:r>
+              <a:rPr lang="en-US" dirty="0" err="1" smtClean="0">
+                <a:latin typeface="Courier"/>
+                <a:cs typeface="Courier"/>
+              </a:rPr>
+              <a:t>svm.train</a:t>
+            </a:r>
+            <a:r>
+              <a:rPr lang="en-US" dirty="0" smtClean="0">
+                <a:latin typeface="Courier"/>
+                <a:cs typeface="Courier"/>
+              </a:rPr>
+              <a:t>,</a:t>
+            </a:r>
+          </a:p>
+          <a:p>
+            <a:r>
+              <a:rPr lang="en-US" dirty="0">
+                <a:latin typeface="Courier"/>
+                <a:cs typeface="Courier"/>
+              </a:rPr>
+              <a:t>data/examples/</a:t>
+            </a:r>
+            <a:r>
+              <a:rPr lang="en-US" dirty="0" err="1">
+                <a:latin typeface="Courier"/>
+                <a:cs typeface="Courier"/>
+              </a:rPr>
+              <a:t>wikiqa</a:t>
+            </a:r>
+            <a:r>
+              <a:rPr lang="en-US" dirty="0">
+                <a:latin typeface="Courier"/>
+                <a:cs typeface="Courier"/>
+              </a:rPr>
+              <a:t>/</a:t>
+            </a:r>
+            <a:r>
+              <a:rPr lang="en-US" dirty="0" err="1" smtClean="0">
+                <a:latin typeface="Courier"/>
+                <a:cs typeface="Courier"/>
+              </a:rPr>
+              <a:t>svm.train.relevancy</a:t>
+            </a:r>
+            <a:endParaRPr lang="en-US" dirty="0"/>
+          </a:p>
+        </p:txBody>
+      </p:sp>
+      <p:sp>
+        <p:nvSpPr>
+          <p:cNvPr id="11" name="Oval Callout 10"/>
+          <p:cNvSpPr/>
+          <p:nvPr/>
+        </p:nvSpPr>
+        <p:spPr bwMode="auto">
+          <a:xfrm>
+            <a:off x="0" y="2103437"/>
+            <a:ext cx="1611312" cy="457200"/>
+          </a:xfrm>
+          <a:prstGeom prst="wedgeEllipseCallout">
+            <a:avLst>
+              <a:gd name="adj1" fmla="val 78125"/>
+              <a:gd name="adj2" fmla="val 118308"/>
+            </a:avLst>
+          </a:prstGeom>
+          <a:solidFill>
+            <a:schemeClr val="accent1"/>
+          </a:solidFill>
+          <a:ln w="3175" cap="flat" cmpd="sng" algn="ctr">
+            <a:solidFill>
+              <a:schemeClr val="tx1"/>
+            </a:solidFill>
+            <a:prstDash val="solid"/>
+            <a:round/>
+            <a:headEnd type="none" w="med" len="med"/>
+            <a:tailEnd type="triangle" w="med" len="med"/>
+          </a:ln>
+          <a:effectLst/>
+        </p:spPr>
+        <p:txBody>
+          <a:bodyPr vert="horz" wrap="square" lIns="91440" tIns="45720" rIns="91440" bIns="45720" numCol="1" rtlCol="0" anchor="t" anchorCtr="0" compatLnSpc="1">
+            <a:prstTxWarp prst="textNoShape">
+              <a:avLst/>
+            </a:prstTxWarp>
+          </a:bodyPr>
+          <a:lstStyle/>
+          <a:p>
+            <a:pPr marL="0" marR="0" indent="0" algn="ctr" defTabSz="914400" rtl="0" eaLnBrk="0" fontAlgn="base" latinLnBrk="0" hangingPunct="0">
+              <a:lnSpc>
+                <a:spcPct val="100000"/>
+              </a:lnSpc>
+              <a:spcBef>
+                <a:spcPct val="100000"/>
+              </a:spcBef>
+              <a:spcAft>
+                <a:spcPct val="0"/>
+              </a:spcAft>
+              <a:buClrTx/>
+              <a:buSzTx/>
+              <a:tabLst/>
+            </a:pPr>
+            <a:r>
+              <a:rPr lang="en-US" sz="1400" b="1" dirty="0" smtClean="0"/>
+              <a:t>Entry point</a:t>
+            </a:r>
+            <a:endParaRPr kumimoji="0" lang="en-US" sz="1400" b="1" i="0" u="none" strike="noStrike" cap="none" normalizeH="0" dirty="0">
+              <a:ln>
+                <a:noFill/>
+              </a:ln>
+              <a:solidFill>
+                <a:schemeClr val="tx1"/>
+              </a:solidFill>
+              <a:effectLst/>
+            </a:endParaRPr>
+          </a:p>
+        </p:txBody>
+      </p:sp>
+      <p:sp>
+        <p:nvSpPr>
+          <p:cNvPr id="10" name="Oval Callout 9"/>
+          <p:cNvSpPr/>
+          <p:nvPr/>
+        </p:nvSpPr>
+        <p:spPr bwMode="auto">
+          <a:xfrm>
+            <a:off x="4811712" y="1874837"/>
+            <a:ext cx="1611312" cy="457200"/>
+          </a:xfrm>
+          <a:prstGeom prst="wedgeEllipseCallout">
+            <a:avLst>
+              <a:gd name="adj1" fmla="val 61939"/>
+              <a:gd name="adj2" fmla="val 172876"/>
+            </a:avLst>
+          </a:prstGeom>
+          <a:solidFill>
+            <a:schemeClr val="accent1"/>
+          </a:solidFill>
+          <a:ln w="3175" cap="flat" cmpd="sng" algn="ctr">
+            <a:solidFill>
+              <a:schemeClr val="tx1"/>
+            </a:solidFill>
+            <a:prstDash val="solid"/>
+            <a:round/>
+            <a:headEnd type="none" w="med" len="med"/>
+            <a:tailEnd type="triangle" w="med" len="med"/>
+          </a:ln>
+          <a:effectLst/>
+        </p:spPr>
+        <p:txBody>
+          <a:bodyPr vert="horz" wrap="square" lIns="91440" tIns="45720" rIns="91440" bIns="45720" numCol="1" rtlCol="0" anchor="t" anchorCtr="0" compatLnSpc="1">
+            <a:prstTxWarp prst="textNoShape">
+              <a:avLst/>
+            </a:prstTxWarp>
+          </a:bodyPr>
+          <a:lstStyle/>
+          <a:p>
+            <a:pPr marL="0" marR="0" indent="0" algn="ctr" defTabSz="914400" rtl="0" eaLnBrk="0" fontAlgn="base" latinLnBrk="0" hangingPunct="0">
+              <a:lnSpc>
+                <a:spcPct val="100000"/>
+              </a:lnSpc>
+              <a:spcBef>
+                <a:spcPct val="100000"/>
+              </a:spcBef>
+              <a:spcAft>
+                <a:spcPct val="0"/>
+              </a:spcAft>
+              <a:buClrTx/>
+              <a:buSzTx/>
+              <a:tabLst/>
+            </a:pPr>
+            <a:r>
+              <a:rPr lang="en-US" sz="1400" b="1" dirty="0" smtClean="0"/>
+              <a:t>Questions</a:t>
+            </a:r>
+            <a:endParaRPr kumimoji="0" lang="en-US" sz="1400" b="1" i="0" u="none" strike="noStrike" cap="none" normalizeH="0" dirty="0">
+              <a:ln>
+                <a:noFill/>
+              </a:ln>
+              <a:solidFill>
+                <a:schemeClr val="tx1"/>
+              </a:solidFill>
+              <a:effectLst/>
+            </a:endParaRPr>
+          </a:p>
+        </p:txBody>
+      </p:sp>
+      <p:sp>
+        <p:nvSpPr>
+          <p:cNvPr id="12" name="Oval Callout 11"/>
+          <p:cNvSpPr/>
+          <p:nvPr/>
+        </p:nvSpPr>
+        <p:spPr bwMode="auto">
+          <a:xfrm>
+            <a:off x="2297112" y="1570037"/>
+            <a:ext cx="1611312" cy="838200"/>
+          </a:xfrm>
+          <a:prstGeom prst="wedgeEllipseCallout">
+            <a:avLst>
+              <a:gd name="adj1" fmla="val 7752"/>
+              <a:gd name="adj2" fmla="val 186931"/>
+            </a:avLst>
+          </a:prstGeom>
+          <a:solidFill>
+            <a:schemeClr val="accent1"/>
+          </a:solidFill>
+          <a:ln w="3175" cap="flat" cmpd="sng" algn="ctr">
+            <a:solidFill>
+              <a:schemeClr val="tx1"/>
+            </a:solidFill>
+            <a:prstDash val="solid"/>
+            <a:round/>
+            <a:headEnd type="none" w="med" len="med"/>
+            <a:tailEnd type="triangle" w="med" len="med"/>
+          </a:ln>
+          <a:effectLst/>
+        </p:spPr>
+        <p:txBody>
+          <a:bodyPr vert="horz" wrap="square" lIns="91440" tIns="45720" rIns="91440" bIns="45720" numCol="1" rtlCol="0" anchor="t" anchorCtr="0" compatLnSpc="1">
+            <a:prstTxWarp prst="textNoShape">
+              <a:avLst/>
+            </a:prstTxWarp>
+          </a:bodyPr>
+          <a:lstStyle/>
+          <a:p>
+            <a:pPr marL="0" marR="0" indent="0" algn="ctr" defTabSz="914400" rtl="0" eaLnBrk="0" fontAlgn="base" latinLnBrk="0" hangingPunct="0">
+              <a:lnSpc>
+                <a:spcPct val="100000"/>
+              </a:lnSpc>
+              <a:spcBef>
+                <a:spcPct val="100000"/>
+              </a:spcBef>
+              <a:spcAft>
+                <a:spcPct val="0"/>
+              </a:spcAft>
+              <a:buClrTx/>
+              <a:buSzTx/>
+              <a:tabLst/>
+            </a:pPr>
+            <a:r>
+              <a:rPr lang="en-US" sz="1400" b="1" dirty="0" smtClean="0"/>
+              <a:t>Candidate answers (APs)</a:t>
+            </a:r>
+            <a:endParaRPr kumimoji="0" lang="en-US" sz="1400" b="1" i="0" u="none" strike="noStrike" cap="none" normalizeH="0" dirty="0">
+              <a:ln>
+                <a:noFill/>
+              </a:ln>
+              <a:solidFill>
+                <a:schemeClr val="tx1"/>
+              </a:solidFill>
+              <a:effectLst/>
+            </a:endParaRPr>
+          </a:p>
+        </p:txBody>
+      </p:sp>
+      <p:sp>
+        <p:nvSpPr>
+          <p:cNvPr id="13" name="Oval Callout 12"/>
+          <p:cNvSpPr/>
+          <p:nvPr/>
+        </p:nvSpPr>
+        <p:spPr bwMode="auto">
+          <a:xfrm>
+            <a:off x="7097712" y="1493837"/>
+            <a:ext cx="1611312" cy="685800"/>
+          </a:xfrm>
+          <a:prstGeom prst="wedgeEllipseCallout">
+            <a:avLst>
+              <a:gd name="adj1" fmla="val 5641"/>
+              <a:gd name="adj2" fmla="val 215042"/>
+            </a:avLst>
+          </a:prstGeom>
+          <a:solidFill>
+            <a:schemeClr val="accent1"/>
+          </a:solidFill>
+          <a:ln w="3175" cap="flat" cmpd="sng" algn="ctr">
+            <a:solidFill>
+              <a:schemeClr val="tx1"/>
+            </a:solidFill>
+            <a:prstDash val="solid"/>
+            <a:round/>
+            <a:headEnd type="none" w="med" len="med"/>
+            <a:tailEnd type="triangle" w="med" len="med"/>
+          </a:ln>
+          <a:effectLst/>
+        </p:spPr>
+        <p:txBody>
+          <a:bodyPr vert="horz" wrap="square" lIns="91440" tIns="45720" rIns="91440" bIns="45720" numCol="1" rtlCol="0" anchor="t" anchorCtr="0" compatLnSpc="1">
+            <a:prstTxWarp prst="textNoShape">
+              <a:avLst/>
+            </a:prstTxWarp>
+          </a:bodyPr>
+          <a:lstStyle/>
+          <a:p>
+            <a:pPr algn="ctr" defTabSz="914400" eaLnBrk="0">
+              <a:lnSpc>
+                <a:spcPct val="100000"/>
+              </a:lnSpc>
+              <a:spcBef>
+                <a:spcPct val="100000"/>
+              </a:spcBef>
+              <a:buClrTx/>
+              <a:buSzTx/>
+            </a:pPr>
+            <a:r>
+              <a:rPr lang="en-US" sz="1400" b="1" dirty="0" smtClean="0"/>
+              <a:t>APs to keep per Q</a:t>
+            </a:r>
+            <a:endParaRPr kumimoji="0" lang="en-US" sz="1400" b="1" i="0" u="none" strike="noStrike" cap="none" normalizeH="0" dirty="0">
+              <a:ln>
+                <a:noFill/>
+              </a:ln>
+              <a:solidFill>
+                <a:schemeClr val="tx1"/>
+              </a:solidFill>
+              <a:effectLst/>
+            </a:endParaRPr>
+          </a:p>
+        </p:txBody>
+      </p:sp>
+      <p:sp>
+        <p:nvSpPr>
+          <p:cNvPr id="14" name="Oval Callout 13"/>
+          <p:cNvSpPr/>
+          <p:nvPr/>
+        </p:nvSpPr>
+        <p:spPr bwMode="auto">
+          <a:xfrm>
+            <a:off x="8435068" y="1036637"/>
+            <a:ext cx="1611312" cy="685800"/>
+          </a:xfrm>
+          <a:prstGeom prst="wedgeEllipseCallout">
+            <a:avLst>
+              <a:gd name="adj1" fmla="val -20397"/>
+              <a:gd name="adj2" fmla="val 249767"/>
+            </a:avLst>
+          </a:prstGeom>
+          <a:solidFill>
+            <a:schemeClr val="accent1"/>
+          </a:solidFill>
+          <a:ln w="3175" cap="flat" cmpd="sng" algn="ctr">
+            <a:solidFill>
+              <a:schemeClr val="tx1"/>
+            </a:solidFill>
+            <a:prstDash val="solid"/>
+            <a:round/>
+            <a:headEnd type="none" w="med" len="med"/>
+            <a:tailEnd type="triangle" w="med" len="med"/>
+          </a:ln>
+          <a:effectLst/>
+        </p:spPr>
+        <p:txBody>
+          <a:bodyPr vert="horz" wrap="square" lIns="91440" tIns="45720" rIns="91440" bIns="45720" numCol="1" rtlCol="0" anchor="t" anchorCtr="0" compatLnSpc="1">
+            <a:prstTxWarp prst="textNoShape">
+              <a:avLst/>
+            </a:prstTxWarp>
+          </a:bodyPr>
+          <a:lstStyle/>
+          <a:p>
+            <a:pPr algn="ctr" defTabSz="914400" eaLnBrk="0">
+              <a:lnSpc>
+                <a:spcPct val="100000"/>
+              </a:lnSpc>
+              <a:spcBef>
+                <a:spcPct val="100000"/>
+              </a:spcBef>
+              <a:buClrTx/>
+              <a:buSzTx/>
+            </a:pPr>
+            <a:r>
+              <a:rPr lang="en-US" sz="1400" b="1" dirty="0" smtClean="0"/>
+              <a:t>Output folder</a:t>
+            </a:r>
+            <a:endParaRPr kumimoji="0" lang="en-US" sz="1400" b="1" i="0" u="none" strike="noStrike" cap="none" normalizeH="0" dirty="0">
+              <a:ln>
+                <a:noFill/>
+              </a:ln>
+              <a:solidFill>
+                <a:schemeClr val="tx1"/>
+              </a:solidFill>
+              <a:effectLst/>
+            </a:endParaRPr>
+          </a:p>
+        </p:txBody>
+      </p:sp>
+      <p:sp>
+        <p:nvSpPr>
+          <p:cNvPr id="15" name="Oval Callout 14"/>
+          <p:cNvSpPr/>
+          <p:nvPr/>
+        </p:nvSpPr>
+        <p:spPr bwMode="auto">
+          <a:xfrm>
+            <a:off x="5268912" y="808037"/>
+            <a:ext cx="1992312" cy="685800"/>
+          </a:xfrm>
+          <a:prstGeom prst="wedgeEllipseCallout">
+            <a:avLst>
+              <a:gd name="adj1" fmla="val 106978"/>
+              <a:gd name="adj2" fmla="val 319217"/>
+            </a:avLst>
+          </a:prstGeom>
+          <a:solidFill>
+            <a:schemeClr val="accent1"/>
+          </a:solidFill>
+          <a:ln w="3175" cap="flat" cmpd="sng" algn="ctr">
+            <a:solidFill>
+              <a:schemeClr val="tx1"/>
+            </a:solidFill>
+            <a:prstDash val="solid"/>
+            <a:round/>
+            <a:headEnd type="none" w="med" len="med"/>
+            <a:tailEnd type="triangle" w="med" len="med"/>
+          </a:ln>
+          <a:effectLst/>
+        </p:spPr>
+        <p:txBody>
+          <a:bodyPr vert="horz" wrap="square" lIns="91440" tIns="45720" rIns="91440" bIns="45720" numCol="1" rtlCol="0" anchor="t" anchorCtr="0" compatLnSpc="1">
+            <a:prstTxWarp prst="textNoShape">
+              <a:avLst/>
+            </a:prstTxWarp>
+          </a:bodyPr>
+          <a:lstStyle/>
+          <a:p>
+            <a:pPr algn="ctr" defTabSz="914400" eaLnBrk="0">
+              <a:lnSpc>
+                <a:spcPct val="100000"/>
+              </a:lnSpc>
+              <a:spcBef>
+                <a:spcPct val="100000"/>
+              </a:spcBef>
+              <a:buClrTx/>
+              <a:buSzTx/>
+            </a:pPr>
+            <a:r>
+              <a:rPr lang="en-US" sz="1400" b="1" dirty="0" smtClean="0"/>
+              <a:t>Do we TRAIN or TEST?</a:t>
+            </a:r>
+            <a:endParaRPr kumimoji="0" lang="en-US" sz="1400" b="1" i="0" u="none" strike="noStrike" cap="none" normalizeH="0" dirty="0">
+              <a:ln>
+                <a:noFill/>
+              </a:ln>
+              <a:solidFill>
+                <a:schemeClr val="tx1"/>
+              </a:solidFill>
+              <a:effectLst/>
+            </a:endParaRPr>
+          </a:p>
+        </p:txBody>
+      </p:sp>
+      <p:sp>
+        <p:nvSpPr>
+          <p:cNvPr id="17" name="Oval Callout 16"/>
+          <p:cNvSpPr/>
+          <p:nvPr/>
+        </p:nvSpPr>
+        <p:spPr bwMode="auto">
+          <a:xfrm>
+            <a:off x="1001712" y="4389437"/>
+            <a:ext cx="3048000" cy="1143000"/>
+          </a:xfrm>
+          <a:prstGeom prst="wedgeEllipseCallout">
+            <a:avLst>
+              <a:gd name="adj1" fmla="val -55230"/>
+              <a:gd name="adj2" fmla="val -109721"/>
+            </a:avLst>
+          </a:prstGeom>
+          <a:solidFill>
+            <a:schemeClr val="accent1"/>
+          </a:solidFill>
+          <a:ln w="3175" cap="flat" cmpd="sng" algn="ctr">
+            <a:solidFill>
+              <a:schemeClr val="tx1"/>
+            </a:solidFill>
+            <a:prstDash val="solid"/>
+            <a:round/>
+            <a:headEnd type="none" w="med" len="med"/>
+            <a:tailEnd type="triangle" w="med" len="med"/>
+          </a:ln>
+          <a:effectLst/>
+        </p:spPr>
+        <p:txBody>
+          <a:bodyPr vert="horz" wrap="square" lIns="91440" tIns="45720" rIns="91440" bIns="45720" numCol="1" rtlCol="0" anchor="t" anchorCtr="0" compatLnSpc="1">
+            <a:prstTxWarp prst="textNoShape">
+              <a:avLst/>
+            </a:prstTxWarp>
+          </a:bodyPr>
+          <a:lstStyle/>
+          <a:p>
+            <a:pPr algn="ctr" defTabSz="914400" eaLnBrk="0">
+              <a:lnSpc>
+                <a:spcPct val="100000"/>
+              </a:lnSpc>
+              <a:spcBef>
+                <a:spcPct val="100000"/>
+              </a:spcBef>
+              <a:buClrTx/>
+              <a:buSzTx/>
+            </a:pPr>
+            <a:r>
+              <a:rPr lang="en-US" sz="1400" b="1" dirty="0" smtClean="0"/>
+              <a:t>Defines the Experiment (which structure to generate</a:t>
+            </a:r>
+            <a:endParaRPr kumimoji="0" lang="en-US" sz="1400" b="1" i="0" u="none" strike="noStrike" cap="none" normalizeH="0" dirty="0">
+              <a:ln>
+                <a:noFill/>
+              </a:ln>
+              <a:solidFill>
+                <a:schemeClr val="tx1"/>
+              </a:solidFill>
+              <a:effectLst/>
+            </a:endParaRPr>
+          </a:p>
+        </p:txBody>
+      </p:sp>
+      <p:sp>
+        <p:nvSpPr>
+          <p:cNvPr id="18" name="Oval Callout 17"/>
+          <p:cNvSpPr/>
+          <p:nvPr/>
+        </p:nvSpPr>
+        <p:spPr bwMode="auto">
+          <a:xfrm>
+            <a:off x="8416698" y="4084637"/>
+            <a:ext cx="1676400" cy="1219200"/>
+          </a:xfrm>
+          <a:prstGeom prst="wedgeEllipseCallout">
+            <a:avLst>
+              <a:gd name="adj1" fmla="val -20091"/>
+              <a:gd name="adj2" fmla="val -88220"/>
+            </a:avLst>
+          </a:prstGeom>
+          <a:solidFill>
+            <a:schemeClr val="accent1"/>
+          </a:solidFill>
+          <a:ln w="3175" cap="flat" cmpd="sng" algn="ctr">
+            <a:solidFill>
+              <a:schemeClr val="tx1"/>
+            </a:solidFill>
+            <a:prstDash val="solid"/>
+            <a:round/>
+            <a:headEnd type="none" w="med" len="med"/>
+            <a:tailEnd type="triangle" w="med" len="med"/>
+          </a:ln>
+          <a:effectLst/>
+        </p:spPr>
+        <p:txBody>
+          <a:bodyPr vert="horz" wrap="square" lIns="91440" tIns="45720" rIns="91440" bIns="45720" numCol="1" rtlCol="0" anchor="t" anchorCtr="0" compatLnSpc="1">
+            <a:prstTxWarp prst="textNoShape">
+              <a:avLst/>
+            </a:prstTxWarp>
+          </a:bodyPr>
+          <a:lstStyle/>
+          <a:p>
+            <a:pPr marL="0" marR="0" indent="0" algn="ctr" defTabSz="914400" rtl="0" eaLnBrk="0" fontAlgn="base" latinLnBrk="0" hangingPunct="0">
+              <a:lnSpc>
+                <a:spcPct val="100000"/>
+              </a:lnSpc>
+              <a:spcBef>
+                <a:spcPct val="100000"/>
+              </a:spcBef>
+              <a:spcAft>
+                <a:spcPct val="0"/>
+              </a:spcAft>
+              <a:buClrTx/>
+              <a:buSzTx/>
+              <a:tabLst/>
+            </a:pPr>
+            <a:r>
+              <a:rPr lang="en-US" sz="1400" b="1" dirty="0" smtClean="0"/>
+              <a:t>Defines which features to extract</a:t>
+            </a:r>
+            <a:endParaRPr kumimoji="0" lang="en-US" sz="1400" b="1" i="0" u="none" strike="noStrike" cap="none" normalizeH="0" dirty="0">
+              <a:ln>
+                <a:noFill/>
+              </a:ln>
+              <a:solidFill>
+                <a:schemeClr val="tx1"/>
+              </a:solidFill>
+              <a:effectLst/>
+            </a:endParaRPr>
+          </a:p>
+        </p:txBody>
+      </p:sp>
+      <p:sp>
+        <p:nvSpPr>
+          <p:cNvPr id="19" name="Oval Callout 18"/>
+          <p:cNvSpPr/>
+          <p:nvPr/>
+        </p:nvSpPr>
+        <p:spPr bwMode="auto">
+          <a:xfrm>
+            <a:off x="4887912" y="4237037"/>
+            <a:ext cx="3048000" cy="1143000"/>
+          </a:xfrm>
+          <a:prstGeom prst="wedgeEllipseCallout">
+            <a:avLst>
+              <a:gd name="adj1" fmla="val -1659"/>
+              <a:gd name="adj2" fmla="val -76980"/>
+            </a:avLst>
+          </a:prstGeom>
+          <a:solidFill>
+            <a:schemeClr val="accent1"/>
+          </a:solidFill>
+          <a:ln w="3175" cap="flat" cmpd="sng" algn="ctr">
+            <a:solidFill>
+              <a:schemeClr val="tx1"/>
+            </a:solidFill>
+            <a:prstDash val="solid"/>
+            <a:round/>
+            <a:headEnd type="none" w="med" len="med"/>
+            <a:tailEnd type="triangle" w="med" len="med"/>
+          </a:ln>
+          <a:effectLst/>
+        </p:spPr>
+        <p:txBody>
+          <a:bodyPr vert="horz" wrap="square" lIns="91440" tIns="45720" rIns="91440" bIns="45720" numCol="1" rtlCol="0" anchor="t" anchorCtr="0" compatLnSpc="1">
+            <a:prstTxWarp prst="textNoShape">
+              <a:avLst/>
+            </a:prstTxWarp>
+          </a:bodyPr>
+          <a:lstStyle/>
+          <a:p>
+            <a:pPr algn="ctr" defTabSz="914400" eaLnBrk="0">
+              <a:lnSpc>
+                <a:spcPct val="100000"/>
+              </a:lnSpc>
+              <a:spcBef>
+                <a:spcPct val="100000"/>
+              </a:spcBef>
+              <a:buClrTx/>
+              <a:buSzTx/>
+            </a:pPr>
+            <a:r>
+              <a:rPr lang="en-US" sz="1400" b="1" dirty="0" smtClean="0"/>
+              <a:t>Additional</a:t>
+            </a:r>
+            <a:r>
+              <a:rPr lang="en-US" sz="1400" b="1" dirty="0"/>
+              <a:t> </a:t>
+            </a:r>
+            <a:r>
+              <a:rPr lang="en-US" sz="1400" b="1" dirty="0" smtClean="0"/>
+              <a:t>experiment configuration (whether to add FOCUs info and do focus match)</a:t>
+            </a:r>
+          </a:p>
+        </p:txBody>
+      </p:sp>
+      <p:sp>
+        <p:nvSpPr>
+          <p:cNvPr id="20" name="Oval Callout 19"/>
+          <p:cNvSpPr/>
+          <p:nvPr/>
+        </p:nvSpPr>
+        <p:spPr bwMode="auto">
+          <a:xfrm>
+            <a:off x="3516312" y="960437"/>
+            <a:ext cx="1611312" cy="838200"/>
+          </a:xfrm>
+          <a:prstGeom prst="wedgeEllipseCallout">
+            <a:avLst>
+              <a:gd name="adj1" fmla="val -8434"/>
+              <a:gd name="adj2" fmla="val 231578"/>
+            </a:avLst>
+          </a:prstGeom>
+          <a:solidFill>
+            <a:schemeClr val="accent1"/>
+          </a:solidFill>
+          <a:ln w="3175" cap="flat" cmpd="sng" algn="ctr">
+            <a:solidFill>
+              <a:schemeClr val="tx1"/>
+            </a:solidFill>
+            <a:prstDash val="solid"/>
+            <a:round/>
+            <a:headEnd type="none" w="med" len="med"/>
+            <a:tailEnd type="triangle" w="med" len="med"/>
+          </a:ln>
+          <a:effectLst/>
+        </p:spPr>
+        <p:txBody>
+          <a:bodyPr vert="horz" wrap="square" lIns="91440" tIns="45720" rIns="91440" bIns="45720" numCol="1" rtlCol="0" anchor="t" anchorCtr="0" compatLnSpc="1">
+            <a:prstTxWarp prst="textNoShape">
+              <a:avLst/>
+            </a:prstTxWarp>
+          </a:bodyPr>
+          <a:lstStyle/>
+          <a:p>
+            <a:pPr marL="0" marR="0" indent="0" algn="ctr" defTabSz="914400" rtl="0" eaLnBrk="0" fontAlgn="base" latinLnBrk="0" hangingPunct="0">
+              <a:lnSpc>
+                <a:spcPct val="100000"/>
+              </a:lnSpc>
+              <a:spcBef>
+                <a:spcPct val="100000"/>
+              </a:spcBef>
+              <a:spcAft>
+                <a:spcPct val="0"/>
+              </a:spcAft>
+              <a:buClrTx/>
+              <a:buSzTx/>
+              <a:tabLst/>
+            </a:pPr>
+            <a:r>
+              <a:rPr lang="en-US" sz="1400" b="1" dirty="0" smtClean="0"/>
+              <a:t>Where to persist the </a:t>
+            </a:r>
+            <a:r>
+              <a:rPr lang="en-US" sz="1400" b="1" dirty="0" err="1" smtClean="0"/>
+              <a:t>CASes</a:t>
+            </a:r>
+            <a:endParaRPr kumimoji="0" lang="en-US" sz="1400" b="1" i="0" u="none" strike="noStrike" cap="none" normalizeH="0" dirty="0">
+              <a:ln>
+                <a:noFill/>
+              </a:ln>
+              <a:solidFill>
+                <a:schemeClr val="tx1"/>
+              </a:solidFill>
+              <a:effectLst/>
+            </a:endParaRPr>
+          </a:p>
+        </p:txBody>
+      </p:sp>
+    </p:spTree>
+    <p:extLst>
+      <p:ext uri="{BB962C8B-B14F-4D97-AF65-F5344CB8AC3E}">
+        <p14:creationId xmlns:p14="http://schemas.microsoft.com/office/powerpoint/2010/main" val="3252175439"/>
+      </p:ext>
+    </p:extLst>
+  </p:cSld>
+  <p:clrMapOvr>
+    <a:masterClrMapping/>
+  </p:clrMapOvr>
+  <p:timing>
+    <p:tnLst>
+      <p:par>
+        <p:cTn xmlns:p14="http://schemas.microsoft.com/office/powerpoint/2010/main" id="1" dur="indefinite" restart="never" nodeType="tmRoot"/>
+      </p:par>
+    </p:tnLst>
+  </p:timing>
+</p:sld>
+</file>
+
+<file path=ppt/slides/slide8.xml><?xml version="1.0" encoding="utf-8"?>
 <p:sld xmlns:a="http://schemas.openxmlformats.org/drawingml/2006/main" xmlns:r="http://schemas.openxmlformats.org/officeDocument/2006/relationships" xmlns:p="http://schemas.openxmlformats.org/presentationml/2006/main">
   <p:cSld>
     <p:spTree>
@@ -20636,1895 +22718,13 @@
   <p:clrMapOvr>
     <a:masterClrMapping/>
   </p:clrMapOvr>
-</p:sld>
-</file>
-
-<file path=ppt/slides/slide8.xml><?xml version="1.0" encoding="utf-8"?>
-<p:sld xmlns:a="http://schemas.openxmlformats.org/drawingml/2006/main" xmlns:r="http://schemas.openxmlformats.org/officeDocument/2006/relationships" xmlns:p="http://schemas.openxmlformats.org/presentationml/2006/main">
-  <p:cSld>
-    <p:spTree>
-      <p:nvGrpSpPr>
-        <p:cNvPr id="1" name=""/>
-        <p:cNvGrpSpPr/>
-        <p:nvPr/>
-      </p:nvGrpSpPr>
-      <p:grpSpPr>
-        <a:xfrm>
-          <a:off x="0" y="0"/>
-          <a:ext cx="0" cy="0"/>
-          <a:chOff x="0" y="0"/>
-          <a:chExt cx="0" cy="0"/>
-        </a:xfrm>
-      </p:grpSpPr>
-      <p:sp>
-        <p:nvSpPr>
-          <p:cNvPr id="2" name="Title 1"/>
-          <p:cNvSpPr>
-            <a:spLocks noGrp="1"/>
-          </p:cNvSpPr>
-          <p:nvPr>
-            <p:ph type="title"/>
-          </p:nvPr>
-        </p:nvSpPr>
-        <p:spPr/>
-        <p:txBody>
-          <a:bodyPr/>
-          <a:lstStyle/>
-          <a:p>
-            <a:r>
-              <a:rPr lang="en-US" dirty="0" smtClean="0"/>
-              <a:t>Generating training data</a:t>
-            </a:r>
-            <a:endParaRPr lang="en-US" dirty="0"/>
-          </a:p>
-        </p:txBody>
-      </p:sp>
-      <p:sp>
-        <p:nvSpPr>
-          <p:cNvPr id="4" name="Rectangle 3"/>
-          <p:cNvSpPr/>
-          <p:nvPr/>
-        </p:nvSpPr>
-        <p:spPr>
-          <a:xfrm>
-            <a:off x="392112" y="2103437"/>
-            <a:ext cx="9448800" cy="1851635"/>
-          </a:xfrm>
-          <a:prstGeom prst="rect">
-            <a:avLst/>
-          </a:prstGeom>
-          <a:solidFill>
-            <a:schemeClr val="bg1">
-              <a:lumMod val="85000"/>
-            </a:schemeClr>
-          </a:solidFill>
-          <a:ln>
-            <a:solidFill>
-              <a:schemeClr val="bg1">
-                <a:lumMod val="85000"/>
-              </a:schemeClr>
-            </a:solidFill>
-          </a:ln>
-        </p:spPr>
-        <p:txBody>
-          <a:bodyPr wrap="square">
-            <a:spAutoFit/>
-          </a:bodyPr>
-          <a:lstStyle/>
-          <a:p>
-            <a:pPr>
-              <a:spcBef>
-                <a:spcPts val="600"/>
-              </a:spcBef>
-            </a:pPr>
-            <a:r>
-              <a:rPr lang="en-US" sz="1400" dirty="0">
-                <a:latin typeface="Courier"/>
-                <a:cs typeface="Courier"/>
-              </a:rPr>
-              <a:t>export CLASSPATH=bin/:target/dependency/*:target/</a:t>
-            </a:r>
-            <a:r>
-              <a:rPr lang="en-US" sz="1400" dirty="0" smtClean="0">
-                <a:latin typeface="Courier"/>
-                <a:cs typeface="Courier"/>
-              </a:rPr>
-              <a:t>classes</a:t>
-            </a:r>
-          </a:p>
-          <a:p>
-            <a:pPr>
-              <a:spcBef>
-                <a:spcPts val="600"/>
-              </a:spcBef>
-            </a:pPr>
-            <a:endParaRPr lang="en-US" sz="1400" dirty="0">
-              <a:latin typeface="Courier"/>
-              <a:cs typeface="Courier"/>
-            </a:endParaRPr>
-          </a:p>
-          <a:p>
-            <a:pPr>
-              <a:spcBef>
-                <a:spcPts val="600"/>
-              </a:spcBef>
-            </a:pPr>
-            <a:r>
-              <a:rPr lang="en-US" sz="1400" dirty="0">
-                <a:latin typeface="Courier"/>
-                <a:cs typeface="Courier"/>
-              </a:rPr>
-              <a:t>java -Xmx5G -Xss512m -</a:t>
-            </a:r>
-            <a:r>
-              <a:rPr lang="en-US" sz="1400" dirty="0" err="1">
-                <a:latin typeface="Courier"/>
-                <a:cs typeface="Courier"/>
-              </a:rPr>
-              <a:t>Dlogback.configurationFile</a:t>
-            </a:r>
-            <a:r>
-              <a:rPr lang="en-US" sz="1400" dirty="0">
-                <a:latin typeface="Courier"/>
-                <a:cs typeface="Courier"/>
-              </a:rPr>
-              <a:t>=resources/</a:t>
-            </a:r>
-            <a:r>
-              <a:rPr lang="en-US" sz="1400" dirty="0" err="1" smtClean="0">
-                <a:latin typeface="Courier"/>
-                <a:cs typeface="Courier"/>
-              </a:rPr>
-              <a:t>logback.xml</a:t>
-            </a:r>
-            <a:r>
-              <a:rPr lang="en-US" sz="1400" dirty="0" smtClean="0">
-                <a:latin typeface="Courier"/>
-                <a:cs typeface="Courier"/>
-              </a:rPr>
-              <a:t> </a:t>
-            </a:r>
-            <a:r>
-              <a:rPr lang="en-US" sz="1400" dirty="0" err="1" smtClean="0">
-                <a:latin typeface="Courier"/>
-                <a:cs typeface="Courier"/>
-              </a:rPr>
-              <a:t>it.unitn.nlpir.system.core.ClassTextPairConversion</a:t>
-            </a:r>
-            <a:r>
-              <a:rPr lang="en-US" sz="1400" dirty="0" smtClean="0">
-                <a:latin typeface="Courier"/>
-                <a:cs typeface="Courier"/>
-              </a:rPr>
-              <a:t> </a:t>
-            </a:r>
-            <a:r>
-              <a:rPr lang="en-US" sz="1400" b="1" dirty="0">
-                <a:latin typeface="Courier"/>
-                <a:cs typeface="Courier"/>
-              </a:rPr>
-              <a:t>-</a:t>
-            </a:r>
-            <a:r>
-              <a:rPr lang="en-US" sz="1400" b="1" dirty="0" err="1">
-                <a:latin typeface="Courier"/>
-                <a:cs typeface="Courier"/>
-              </a:rPr>
-              <a:t>questionsPath</a:t>
-            </a:r>
-            <a:r>
-              <a:rPr lang="en-US" sz="1400" b="1" dirty="0">
-                <a:latin typeface="Courier"/>
-                <a:cs typeface="Courier"/>
-              </a:rPr>
-              <a:t> </a:t>
-            </a:r>
-            <a:r>
-              <a:rPr lang="en-US" sz="1400" dirty="0">
-                <a:latin typeface="Courier"/>
-                <a:cs typeface="Courier"/>
-              </a:rPr>
-              <a:t>data/</a:t>
-            </a:r>
-            <a:r>
-              <a:rPr lang="en-US" sz="1400" dirty="0" err="1">
-                <a:latin typeface="Courier"/>
-                <a:cs typeface="Courier"/>
-              </a:rPr>
-              <a:t>wikiQA</a:t>
-            </a:r>
-            <a:r>
-              <a:rPr lang="en-US" sz="1400" dirty="0">
-                <a:latin typeface="Courier"/>
-                <a:cs typeface="Courier"/>
-              </a:rPr>
-              <a:t>/</a:t>
-            </a:r>
-            <a:r>
-              <a:rPr lang="en-US" sz="1400" dirty="0" err="1">
-                <a:latin typeface="Courier"/>
-                <a:cs typeface="Courier"/>
-              </a:rPr>
-              <a:t>WikiQA-train.questions.txt</a:t>
-            </a:r>
-            <a:r>
-              <a:rPr lang="en-US" sz="1400" dirty="0">
-                <a:latin typeface="Courier"/>
-                <a:cs typeface="Courier"/>
-              </a:rPr>
-              <a:t> </a:t>
-            </a:r>
-            <a:r>
-              <a:rPr lang="en-US" sz="1400" b="1" dirty="0">
-                <a:latin typeface="Courier"/>
-                <a:cs typeface="Courier"/>
-              </a:rPr>
-              <a:t>-</a:t>
-            </a:r>
-            <a:r>
-              <a:rPr lang="en-US" sz="1400" b="1" dirty="0" err="1">
-                <a:latin typeface="Courier"/>
-                <a:cs typeface="Courier"/>
-              </a:rPr>
-              <a:t>answersPath</a:t>
-            </a:r>
-            <a:r>
-              <a:rPr lang="en-US" sz="1400" b="1" dirty="0">
-                <a:latin typeface="Courier"/>
-                <a:cs typeface="Courier"/>
-              </a:rPr>
-              <a:t> </a:t>
-            </a:r>
-            <a:r>
-              <a:rPr lang="en-US" sz="1400" dirty="0">
-                <a:latin typeface="Courier"/>
-                <a:cs typeface="Courier"/>
-              </a:rPr>
-              <a:t>data/</a:t>
-            </a:r>
-            <a:r>
-              <a:rPr lang="en-US" sz="1400" dirty="0" err="1">
-                <a:latin typeface="Courier"/>
-                <a:cs typeface="Courier"/>
-              </a:rPr>
-              <a:t>wikiQA</a:t>
-            </a:r>
-            <a:r>
-              <a:rPr lang="en-US" sz="1400" dirty="0">
-                <a:latin typeface="Courier"/>
-                <a:cs typeface="Courier"/>
-              </a:rPr>
-              <a:t>/</a:t>
-            </a:r>
-            <a:r>
-              <a:rPr lang="en-US" sz="1400" dirty="0" err="1">
-                <a:latin typeface="Courier"/>
-                <a:cs typeface="Courier"/>
-              </a:rPr>
-              <a:t>WikiQA-train.tsv.resultset</a:t>
-            </a:r>
-            <a:r>
-              <a:rPr lang="en-US" sz="1400" dirty="0">
-                <a:latin typeface="Courier"/>
-                <a:cs typeface="Courier"/>
-              </a:rPr>
-              <a:t> </a:t>
-            </a:r>
-            <a:r>
-              <a:rPr lang="en-US" sz="1400" b="1" dirty="0">
-                <a:latin typeface="Courier"/>
-                <a:cs typeface="Courier"/>
-              </a:rPr>
-              <a:t>-</a:t>
-            </a:r>
-            <a:r>
-              <a:rPr lang="en-US" sz="1400" b="1" dirty="0" err="1">
-                <a:latin typeface="Courier"/>
-                <a:cs typeface="Courier"/>
-              </a:rPr>
-              <a:t>outputDir</a:t>
-            </a:r>
-            <a:r>
-              <a:rPr lang="en-US" sz="1400" b="1" dirty="0">
-                <a:latin typeface="Courier"/>
-                <a:cs typeface="Courier"/>
-              </a:rPr>
-              <a:t> </a:t>
-            </a:r>
-            <a:r>
-              <a:rPr lang="en-US" sz="1400" dirty="0">
-                <a:latin typeface="Courier"/>
-                <a:cs typeface="Courier"/>
-              </a:rPr>
-              <a:t>data/examples/</a:t>
-            </a:r>
-            <a:r>
-              <a:rPr lang="en-US" sz="1400" dirty="0" err="1">
-                <a:latin typeface="Courier"/>
-                <a:cs typeface="Courier"/>
-              </a:rPr>
-              <a:t>wikiqa</a:t>
-            </a:r>
-            <a:r>
-              <a:rPr lang="en-US" sz="1400" dirty="0">
-                <a:latin typeface="Courier"/>
-                <a:cs typeface="Courier"/>
-              </a:rPr>
-              <a:t> </a:t>
-            </a:r>
-            <a:r>
-              <a:rPr lang="en-US" sz="1400" b="1" dirty="0">
-                <a:latin typeface="Courier"/>
-                <a:cs typeface="Courier"/>
-              </a:rPr>
-              <a:t>-</a:t>
-            </a:r>
-            <a:r>
-              <a:rPr lang="en-US" sz="1400" b="1" dirty="0" err="1">
-                <a:latin typeface="Courier"/>
-                <a:cs typeface="Courier"/>
-              </a:rPr>
-              <a:t>filePersistence</a:t>
-            </a:r>
-            <a:r>
-              <a:rPr lang="en-US" sz="1400" b="1" dirty="0">
-                <a:latin typeface="Courier"/>
-                <a:cs typeface="Courier"/>
-              </a:rPr>
-              <a:t> </a:t>
-            </a:r>
-            <a:r>
-              <a:rPr lang="en-US" sz="1400" dirty="0" err="1">
-                <a:latin typeface="Courier"/>
-                <a:cs typeface="Courier"/>
-              </a:rPr>
-              <a:t>CASes</a:t>
-            </a:r>
-            <a:r>
-              <a:rPr lang="en-US" sz="1400" dirty="0">
-                <a:latin typeface="Courier"/>
-                <a:cs typeface="Courier"/>
-              </a:rPr>
-              <a:t>/</a:t>
-            </a:r>
-            <a:r>
-              <a:rPr lang="en-US" sz="1400" dirty="0" err="1">
-                <a:latin typeface="Courier"/>
-                <a:cs typeface="Courier"/>
-              </a:rPr>
-              <a:t>wikiQA</a:t>
-            </a:r>
-            <a:r>
-              <a:rPr lang="en-US" sz="1400" dirty="0">
-                <a:latin typeface="Courier"/>
-                <a:cs typeface="Courier"/>
-              </a:rPr>
-              <a:t> </a:t>
-            </a:r>
-            <a:r>
-              <a:rPr lang="en-US" sz="1400" b="1" dirty="0">
-                <a:latin typeface="Courier"/>
-                <a:cs typeface="Courier"/>
-              </a:rPr>
-              <a:t>-</a:t>
-            </a:r>
-            <a:r>
-              <a:rPr lang="en-US" sz="1400" b="1" dirty="0" err="1">
-                <a:latin typeface="Courier"/>
-                <a:cs typeface="Courier"/>
-              </a:rPr>
-              <a:t>candidatesToKeep</a:t>
-            </a:r>
-            <a:r>
-              <a:rPr lang="en-US" sz="1400" b="1" dirty="0">
-                <a:latin typeface="Courier"/>
-                <a:cs typeface="Courier"/>
-              </a:rPr>
-              <a:t> </a:t>
-            </a:r>
-            <a:r>
-              <a:rPr lang="en-US" sz="1400" dirty="0">
-                <a:latin typeface="Courier"/>
-                <a:cs typeface="Courier"/>
-              </a:rPr>
-              <a:t>10 </a:t>
-            </a:r>
-            <a:r>
-              <a:rPr lang="en-US" sz="1400" b="1" dirty="0">
-                <a:latin typeface="Courier"/>
-                <a:cs typeface="Courier"/>
-              </a:rPr>
-              <a:t>-mode</a:t>
-            </a:r>
-            <a:r>
-              <a:rPr lang="en-US" sz="1400" dirty="0">
-                <a:latin typeface="Courier"/>
-                <a:cs typeface="Courier"/>
-              </a:rPr>
-              <a:t> train </a:t>
-            </a:r>
-            <a:r>
-              <a:rPr lang="en-US" sz="1400" dirty="0" smtClean="0">
-                <a:latin typeface="Courier"/>
-                <a:cs typeface="Courier"/>
-              </a:rPr>
-              <a:t>   </a:t>
-            </a:r>
-            <a:r>
-              <a:rPr lang="en-US" sz="1400" b="1" dirty="0" smtClean="0">
-                <a:latin typeface="Courier"/>
-                <a:cs typeface="Courier"/>
-              </a:rPr>
-              <a:t>-</a:t>
-            </a:r>
-            <a:r>
-              <a:rPr lang="en-US" sz="1400" b="1" dirty="0" err="1">
-                <a:latin typeface="Courier"/>
-                <a:cs typeface="Courier"/>
-              </a:rPr>
-              <a:t>expClassName</a:t>
-            </a:r>
-            <a:r>
-              <a:rPr lang="en-US" sz="1400" b="1" dirty="0">
-                <a:latin typeface="Courier"/>
-                <a:cs typeface="Courier"/>
-              </a:rPr>
-              <a:t> </a:t>
-            </a:r>
-            <a:r>
-              <a:rPr lang="en-US" sz="1400" dirty="0" err="1">
-                <a:latin typeface="Courier"/>
-                <a:cs typeface="Courier"/>
-              </a:rPr>
-              <a:t>it.unitn.nlpir.experiment.fqa.CHExperiment</a:t>
-            </a:r>
-            <a:r>
-              <a:rPr lang="en-US" sz="1400" dirty="0">
-                <a:latin typeface="Courier"/>
-                <a:cs typeface="Courier"/>
-              </a:rPr>
-              <a:t> </a:t>
-            </a:r>
-            <a:r>
-              <a:rPr lang="en-US" sz="1400" b="1" dirty="0">
-                <a:latin typeface="Courier"/>
-                <a:cs typeface="Courier"/>
-              </a:rPr>
-              <a:t>-</a:t>
-            </a:r>
-            <a:r>
-              <a:rPr lang="en-US" sz="1400" b="1" dirty="0" err="1">
-                <a:latin typeface="Courier"/>
-                <a:cs typeface="Courier"/>
-              </a:rPr>
-              <a:t>featureExtractorClass</a:t>
-            </a:r>
-            <a:r>
-              <a:rPr lang="en-US" sz="1400" b="1" dirty="0">
-                <a:latin typeface="Courier"/>
-                <a:cs typeface="Courier"/>
-              </a:rPr>
-              <a:t> </a:t>
-            </a:r>
-            <a:r>
-              <a:rPr lang="en-US" sz="1400" dirty="0" err="1" smtClean="0">
-                <a:latin typeface="Courier"/>
-                <a:cs typeface="Courier"/>
-              </a:rPr>
-              <a:t>it.unitn.nlpir.features.presets.BaselineFeatures</a:t>
-            </a:r>
-            <a:r>
-              <a:rPr lang="en-US" sz="1400" dirty="0">
-                <a:latin typeface="Courier"/>
-                <a:cs typeface="Courier"/>
-              </a:rPr>
-              <a:t> </a:t>
-            </a:r>
-            <a:r>
-              <a:rPr lang="en-US" sz="1400" b="1" dirty="0">
-                <a:latin typeface="Courier"/>
-                <a:cs typeface="Courier"/>
-              </a:rPr>
-              <a:t>-</a:t>
-            </a:r>
-            <a:r>
-              <a:rPr lang="en-US" sz="1400" b="1" dirty="0" err="1">
-                <a:latin typeface="Courier"/>
-                <a:cs typeface="Courier"/>
-              </a:rPr>
-              <a:t>expConfigPath</a:t>
-            </a:r>
-            <a:r>
-              <a:rPr lang="en-US" sz="1400" b="1" dirty="0">
-                <a:latin typeface="Courier"/>
-                <a:cs typeface="Courier"/>
-              </a:rPr>
-              <a:t> </a:t>
-            </a:r>
-            <a:r>
-              <a:rPr lang="en-US" sz="1400" dirty="0" err="1">
-                <a:latin typeface="Courier"/>
-                <a:cs typeface="Courier"/>
-              </a:rPr>
-              <a:t>config</a:t>
-            </a:r>
-            <a:r>
-              <a:rPr lang="en-US" sz="1400" dirty="0">
-                <a:latin typeface="Courier"/>
-                <a:cs typeface="Courier"/>
-              </a:rPr>
-              <a:t>/</a:t>
-            </a:r>
-            <a:r>
-              <a:rPr lang="en-US" sz="1400" dirty="0" err="1">
-                <a:latin typeface="Courier"/>
-                <a:cs typeface="Courier"/>
-              </a:rPr>
-              <a:t>original.config</a:t>
-            </a:r>
-            <a:r>
-              <a:rPr lang="en-US" sz="1400" dirty="0">
-                <a:latin typeface="Courier"/>
-                <a:cs typeface="Courier"/>
-              </a:rPr>
-              <a:t> </a:t>
-            </a:r>
-          </a:p>
-        </p:txBody>
-      </p:sp>
-      <p:sp>
-        <p:nvSpPr>
-          <p:cNvPr id="5" name="Rectangle 4"/>
-          <p:cNvSpPr/>
-          <p:nvPr/>
-        </p:nvSpPr>
-        <p:spPr>
-          <a:xfrm>
-            <a:off x="468312" y="1646237"/>
-            <a:ext cx="1852002" cy="353174"/>
-          </a:xfrm>
-          <a:prstGeom prst="rect">
-            <a:avLst/>
-          </a:prstGeom>
-        </p:spPr>
-        <p:txBody>
-          <a:bodyPr wrap="none">
-            <a:spAutoFit/>
-          </a:bodyPr>
-          <a:lstStyle/>
-          <a:p>
-            <a:r>
-              <a:rPr lang="en-US" b="1" dirty="0" smtClean="0"/>
-              <a:t>Complete data:</a:t>
-            </a:r>
-            <a:endParaRPr lang="en-US" b="1" dirty="0"/>
-          </a:p>
-        </p:txBody>
-      </p:sp>
-      <p:sp>
-        <p:nvSpPr>
-          <p:cNvPr id="6" name="Rectangle 5"/>
-          <p:cNvSpPr/>
-          <p:nvPr/>
-        </p:nvSpPr>
-        <p:spPr>
-          <a:xfrm>
-            <a:off x="544512" y="4389437"/>
-            <a:ext cx="8056638" cy="353174"/>
-          </a:xfrm>
-          <a:prstGeom prst="rect">
-            <a:avLst/>
-          </a:prstGeom>
-        </p:spPr>
-        <p:txBody>
-          <a:bodyPr wrap="none">
-            <a:spAutoFit/>
-          </a:bodyPr>
-          <a:lstStyle/>
-          <a:p>
-            <a:r>
-              <a:rPr lang="en-US" b="1" dirty="0" smtClean="0"/>
-              <a:t>To make it faster , you can use a subset of examples (will perform </a:t>
-            </a:r>
-            <a:r>
-              <a:rPr lang="en-US" b="1" dirty="0" err="1" smtClean="0"/>
-              <a:t>wors</a:t>
-            </a:r>
-            <a:r>
-              <a:rPr lang="en-US" b="1" dirty="0" smtClean="0"/>
-              <a:t>):</a:t>
-            </a:r>
-            <a:endParaRPr lang="en-US" b="1" dirty="0"/>
-          </a:p>
-        </p:txBody>
-      </p:sp>
-      <p:sp>
-        <p:nvSpPr>
-          <p:cNvPr id="7" name="Rectangle 6"/>
-          <p:cNvSpPr/>
-          <p:nvPr/>
-        </p:nvSpPr>
-        <p:spPr>
-          <a:xfrm>
-            <a:off x="468312" y="4846637"/>
-            <a:ext cx="9448800" cy="1851635"/>
-          </a:xfrm>
-          <a:prstGeom prst="rect">
-            <a:avLst/>
-          </a:prstGeom>
-          <a:solidFill>
-            <a:schemeClr val="bg1">
-              <a:lumMod val="85000"/>
-            </a:schemeClr>
-          </a:solidFill>
-          <a:ln>
-            <a:solidFill>
-              <a:schemeClr val="bg1">
-                <a:lumMod val="85000"/>
-              </a:schemeClr>
-            </a:solidFill>
-          </a:ln>
-        </p:spPr>
-        <p:txBody>
-          <a:bodyPr wrap="square">
-            <a:spAutoFit/>
-          </a:bodyPr>
-          <a:lstStyle/>
-          <a:p>
-            <a:pPr>
-              <a:spcBef>
-                <a:spcPts val="600"/>
-              </a:spcBef>
-            </a:pPr>
-            <a:r>
-              <a:rPr lang="en-US" sz="1400" dirty="0">
-                <a:latin typeface="Courier"/>
-                <a:cs typeface="Courier"/>
-              </a:rPr>
-              <a:t>export CLASSPATH=bin/:target/dependency/*:target/</a:t>
-            </a:r>
-            <a:r>
-              <a:rPr lang="en-US" sz="1400" dirty="0" smtClean="0">
-                <a:latin typeface="Courier"/>
-                <a:cs typeface="Courier"/>
-              </a:rPr>
-              <a:t>classes</a:t>
-            </a:r>
-          </a:p>
-          <a:p>
-            <a:pPr>
-              <a:spcBef>
-                <a:spcPts val="600"/>
-              </a:spcBef>
-            </a:pPr>
-            <a:r>
-              <a:rPr lang="en-US" sz="1400" b="1" dirty="0">
-                <a:latin typeface="Courier"/>
-                <a:cs typeface="Courier"/>
-              </a:rPr>
-              <a:t>h</a:t>
-            </a:r>
-            <a:r>
-              <a:rPr lang="en-US" sz="1400" b="1" dirty="0" smtClean="0">
-                <a:latin typeface="Courier"/>
-                <a:cs typeface="Courier"/>
-              </a:rPr>
-              <a:t>ead </a:t>
-            </a:r>
-            <a:r>
-              <a:rPr lang="en-US" sz="1400" dirty="0" smtClean="0">
-                <a:latin typeface="Courier"/>
-                <a:cs typeface="Courier"/>
-              </a:rPr>
-              <a:t>-300 data</a:t>
-            </a:r>
-            <a:r>
-              <a:rPr lang="en-US" sz="1400" dirty="0">
-                <a:latin typeface="Courier"/>
-                <a:cs typeface="Courier"/>
-              </a:rPr>
-              <a:t>/</a:t>
-            </a:r>
-            <a:r>
-              <a:rPr lang="en-US" sz="1400" dirty="0" err="1">
-                <a:latin typeface="Courier"/>
-                <a:cs typeface="Courier"/>
-              </a:rPr>
-              <a:t>wikiQA</a:t>
-            </a:r>
-            <a:r>
-              <a:rPr lang="en-US" sz="1400" dirty="0">
-                <a:latin typeface="Courier"/>
-                <a:cs typeface="Courier"/>
-              </a:rPr>
-              <a:t>/</a:t>
-            </a:r>
-            <a:r>
-              <a:rPr lang="en-US" sz="1400" dirty="0" err="1">
-                <a:latin typeface="Courier"/>
-                <a:cs typeface="Courier"/>
-              </a:rPr>
-              <a:t>WikiQA-</a:t>
-            </a:r>
-            <a:r>
-              <a:rPr lang="en-US" sz="1400" dirty="0" err="1" smtClean="0">
-                <a:latin typeface="Courier"/>
-                <a:cs typeface="Courier"/>
-              </a:rPr>
-              <a:t>train.questions.txt</a:t>
-            </a:r>
-            <a:r>
-              <a:rPr lang="en-US" sz="1400" dirty="0" smtClean="0">
-                <a:latin typeface="Courier"/>
-                <a:cs typeface="Courier"/>
-              </a:rPr>
-              <a:t> &gt; </a:t>
-            </a:r>
-            <a:r>
-              <a:rPr lang="en-US" sz="1400" b="1" dirty="0">
-                <a:latin typeface="Courier"/>
-                <a:cs typeface="Courier"/>
-              </a:rPr>
-              <a:t>data/</a:t>
-            </a:r>
-            <a:r>
-              <a:rPr lang="en-US" sz="1400" b="1" dirty="0" err="1">
-                <a:latin typeface="Courier"/>
-                <a:cs typeface="Courier"/>
-              </a:rPr>
-              <a:t>wikiQA</a:t>
-            </a:r>
-            <a:r>
-              <a:rPr lang="en-US" sz="1400" b="1" dirty="0" smtClean="0">
-                <a:latin typeface="Courier"/>
-                <a:cs typeface="Courier"/>
-              </a:rPr>
-              <a:t>/train300.questions.txt </a:t>
-            </a:r>
-            <a:endParaRPr lang="en-US" sz="1400" b="1" dirty="0">
-              <a:latin typeface="Courier"/>
-              <a:cs typeface="Courier"/>
-            </a:endParaRPr>
-          </a:p>
-          <a:p>
-            <a:pPr>
-              <a:spcBef>
-                <a:spcPts val="600"/>
-              </a:spcBef>
-            </a:pPr>
-            <a:r>
-              <a:rPr lang="en-US" sz="1400" dirty="0" smtClean="0">
-                <a:latin typeface="Courier"/>
-                <a:cs typeface="Courier"/>
-              </a:rPr>
-              <a:t>java </a:t>
-            </a:r>
-            <a:r>
-              <a:rPr lang="en-US" sz="1400" dirty="0">
-                <a:latin typeface="Courier"/>
-                <a:cs typeface="Courier"/>
-              </a:rPr>
-              <a:t>-Xmx5G -Xss512m </a:t>
-            </a:r>
-            <a:r>
-              <a:rPr lang="en-US" sz="1400" dirty="0" smtClean="0">
-                <a:latin typeface="Courier"/>
-                <a:cs typeface="Courier"/>
-              </a:rPr>
-              <a:t>-</a:t>
-            </a:r>
-            <a:r>
-              <a:rPr lang="en-US" sz="1400" dirty="0" err="1" smtClean="0">
-                <a:latin typeface="Courier"/>
-                <a:cs typeface="Courier"/>
-              </a:rPr>
-              <a:t>Dlogback.configurationFile</a:t>
-            </a:r>
-            <a:r>
-              <a:rPr lang="en-US" sz="1400" dirty="0">
-                <a:latin typeface="Courier"/>
-                <a:cs typeface="Courier"/>
-              </a:rPr>
-              <a:t>=resources/</a:t>
-            </a:r>
-            <a:r>
-              <a:rPr lang="en-US" sz="1400" dirty="0" err="1" smtClean="0">
-                <a:latin typeface="Courier"/>
-                <a:cs typeface="Courier"/>
-              </a:rPr>
-              <a:t>logback.xml</a:t>
-            </a:r>
-            <a:r>
-              <a:rPr lang="en-US" sz="1400" dirty="0" smtClean="0">
-                <a:latin typeface="Courier"/>
-                <a:cs typeface="Courier"/>
-              </a:rPr>
-              <a:t> </a:t>
-            </a:r>
-            <a:r>
-              <a:rPr lang="en-US" sz="1400" dirty="0" err="1" smtClean="0">
-                <a:latin typeface="Courier"/>
-                <a:cs typeface="Courier"/>
-              </a:rPr>
-              <a:t>it.unitn.nlpir.system.core.ClassTextPairConversion</a:t>
-            </a:r>
-            <a:r>
-              <a:rPr lang="en-US" sz="1400" dirty="0" smtClean="0">
-                <a:latin typeface="Courier"/>
-                <a:cs typeface="Courier"/>
-              </a:rPr>
-              <a:t> </a:t>
-            </a:r>
-            <a:r>
-              <a:rPr lang="en-US" sz="1400" dirty="0">
-                <a:latin typeface="Courier"/>
-                <a:cs typeface="Courier"/>
-              </a:rPr>
-              <a:t>-</a:t>
-            </a:r>
-            <a:r>
-              <a:rPr lang="en-US" sz="1400" dirty="0" err="1">
-                <a:latin typeface="Courier"/>
-                <a:cs typeface="Courier"/>
-              </a:rPr>
-              <a:t>questionsPath</a:t>
-            </a:r>
-            <a:r>
-              <a:rPr lang="en-US" sz="1400" dirty="0">
-                <a:latin typeface="Courier"/>
-                <a:cs typeface="Courier"/>
-              </a:rPr>
-              <a:t> data/</a:t>
-            </a:r>
-            <a:r>
-              <a:rPr lang="en-US" sz="1400" dirty="0" err="1">
-                <a:latin typeface="Courier"/>
-                <a:cs typeface="Courier"/>
-              </a:rPr>
-              <a:t>wikiQA</a:t>
-            </a:r>
-            <a:r>
-              <a:rPr lang="en-US" sz="1400" dirty="0">
-                <a:latin typeface="Courier"/>
-                <a:cs typeface="Courier"/>
-              </a:rPr>
-              <a:t>/</a:t>
-            </a:r>
-            <a:r>
-              <a:rPr lang="en-US" sz="1400" b="1" dirty="0" smtClean="0">
-                <a:latin typeface="Courier"/>
-                <a:cs typeface="Courier"/>
-              </a:rPr>
-              <a:t>train300</a:t>
-            </a:r>
-            <a:r>
-              <a:rPr lang="en-US" sz="1400" b="1" dirty="0">
-                <a:latin typeface="Courier"/>
-                <a:cs typeface="Courier"/>
-              </a:rPr>
-              <a:t>.questions.txt </a:t>
-            </a:r>
-            <a:r>
-              <a:rPr lang="en-US" sz="1400" dirty="0" smtClean="0">
-                <a:latin typeface="Courier"/>
-                <a:cs typeface="Courier"/>
-              </a:rPr>
-              <a:t> </a:t>
-            </a:r>
-            <a:r>
-              <a:rPr lang="en-US" sz="1400" dirty="0">
-                <a:latin typeface="Courier"/>
-                <a:cs typeface="Courier"/>
-              </a:rPr>
-              <a:t>-</a:t>
-            </a:r>
-            <a:r>
-              <a:rPr lang="en-US" sz="1400" dirty="0" err="1">
-                <a:latin typeface="Courier"/>
-                <a:cs typeface="Courier"/>
-              </a:rPr>
-              <a:t>answersPath</a:t>
-            </a:r>
-            <a:r>
-              <a:rPr lang="en-US" sz="1400" dirty="0">
-                <a:latin typeface="Courier"/>
-                <a:cs typeface="Courier"/>
-              </a:rPr>
-              <a:t> data/</a:t>
-            </a:r>
-            <a:r>
-              <a:rPr lang="en-US" sz="1400" dirty="0" err="1">
-                <a:latin typeface="Courier"/>
-                <a:cs typeface="Courier"/>
-              </a:rPr>
-              <a:t>wikiQA</a:t>
-            </a:r>
-            <a:r>
-              <a:rPr lang="en-US" sz="1400" dirty="0">
-                <a:latin typeface="Courier"/>
-                <a:cs typeface="Courier"/>
-              </a:rPr>
-              <a:t>/</a:t>
-            </a:r>
-            <a:r>
-              <a:rPr lang="en-US" sz="1400" dirty="0" err="1">
-                <a:latin typeface="Courier"/>
-                <a:cs typeface="Courier"/>
-              </a:rPr>
-              <a:t>WikiQA-train.tsv.resultset</a:t>
-            </a:r>
-            <a:r>
-              <a:rPr lang="en-US" sz="1400" dirty="0">
-                <a:latin typeface="Courier"/>
-                <a:cs typeface="Courier"/>
-              </a:rPr>
-              <a:t> -</a:t>
-            </a:r>
-            <a:r>
-              <a:rPr lang="en-US" sz="1400" dirty="0" err="1">
-                <a:latin typeface="Courier"/>
-                <a:cs typeface="Courier"/>
-              </a:rPr>
-              <a:t>outputDir</a:t>
-            </a:r>
-            <a:r>
-              <a:rPr lang="en-US" sz="1400" dirty="0">
-                <a:latin typeface="Courier"/>
-                <a:cs typeface="Courier"/>
-              </a:rPr>
-              <a:t> data/examples/</a:t>
-            </a:r>
-            <a:r>
-              <a:rPr lang="en-US" sz="1400" dirty="0" err="1">
-                <a:latin typeface="Courier"/>
-                <a:cs typeface="Courier"/>
-              </a:rPr>
-              <a:t>wikiqa</a:t>
-            </a:r>
-            <a:r>
-              <a:rPr lang="en-US" sz="1400" dirty="0">
-                <a:latin typeface="Courier"/>
-                <a:cs typeface="Courier"/>
-              </a:rPr>
-              <a:t> -</a:t>
-            </a:r>
-            <a:r>
-              <a:rPr lang="en-US" sz="1400" dirty="0" err="1">
-                <a:latin typeface="Courier"/>
-                <a:cs typeface="Courier"/>
-              </a:rPr>
-              <a:t>filePersistence</a:t>
-            </a:r>
-            <a:r>
-              <a:rPr lang="en-US" sz="1400" dirty="0">
-                <a:latin typeface="Courier"/>
-                <a:cs typeface="Courier"/>
-              </a:rPr>
-              <a:t> </a:t>
-            </a:r>
-            <a:r>
-              <a:rPr lang="en-US" sz="1400" dirty="0" err="1">
-                <a:latin typeface="Courier"/>
-                <a:cs typeface="Courier"/>
-              </a:rPr>
-              <a:t>CASes</a:t>
-            </a:r>
-            <a:r>
-              <a:rPr lang="en-US" sz="1400" dirty="0">
-                <a:latin typeface="Courier"/>
-                <a:cs typeface="Courier"/>
-              </a:rPr>
-              <a:t>/</a:t>
-            </a:r>
-            <a:r>
-              <a:rPr lang="en-US" sz="1400" dirty="0" err="1">
-                <a:latin typeface="Courier"/>
-                <a:cs typeface="Courier"/>
-              </a:rPr>
-              <a:t>wikiQA</a:t>
-            </a:r>
-            <a:r>
-              <a:rPr lang="en-US" sz="1400" dirty="0">
-                <a:latin typeface="Courier"/>
-                <a:cs typeface="Courier"/>
-              </a:rPr>
-              <a:t> -</a:t>
-            </a:r>
-            <a:r>
-              <a:rPr lang="en-US" sz="1400" dirty="0" err="1">
-                <a:latin typeface="Courier"/>
-                <a:cs typeface="Courier"/>
-              </a:rPr>
-              <a:t>candidatesToKeep</a:t>
-            </a:r>
-            <a:r>
-              <a:rPr lang="en-US" sz="1400" dirty="0">
-                <a:latin typeface="Courier"/>
-                <a:cs typeface="Courier"/>
-              </a:rPr>
-              <a:t> 10 -mode train -</a:t>
-            </a:r>
-            <a:r>
-              <a:rPr lang="en-US" sz="1400" dirty="0" err="1">
-                <a:latin typeface="Courier"/>
-                <a:cs typeface="Courier"/>
-              </a:rPr>
-              <a:t>expClassName</a:t>
-            </a:r>
-            <a:r>
-              <a:rPr lang="en-US" sz="1400" dirty="0">
-                <a:latin typeface="Courier"/>
-                <a:cs typeface="Courier"/>
-              </a:rPr>
-              <a:t> </a:t>
-            </a:r>
-            <a:r>
-              <a:rPr lang="en-US" sz="1400" dirty="0" err="1">
-                <a:latin typeface="Courier"/>
-                <a:cs typeface="Courier"/>
-              </a:rPr>
-              <a:t>it.unitn.nlpir.experiment.fqa.CHExperiment</a:t>
-            </a:r>
-            <a:r>
-              <a:rPr lang="en-US" sz="1400" dirty="0">
-                <a:latin typeface="Courier"/>
-                <a:cs typeface="Courier"/>
-              </a:rPr>
-              <a:t> -</a:t>
-            </a:r>
-            <a:r>
-              <a:rPr lang="en-US" sz="1400" dirty="0" err="1">
-                <a:latin typeface="Courier"/>
-                <a:cs typeface="Courier"/>
-              </a:rPr>
-              <a:t>featureExtractorClass</a:t>
-            </a:r>
-            <a:r>
-              <a:rPr lang="en-US" sz="1400" dirty="0">
-                <a:latin typeface="Courier"/>
-                <a:cs typeface="Courier"/>
-              </a:rPr>
-              <a:t> </a:t>
-            </a:r>
-            <a:r>
-              <a:rPr lang="en-US" sz="1400" dirty="0" err="1" smtClean="0">
-                <a:latin typeface="Courier"/>
-                <a:cs typeface="Courier"/>
-              </a:rPr>
-              <a:t>it.unitn.nlpir.features.presets.BaselineFeatures</a:t>
-            </a:r>
-            <a:r>
-              <a:rPr lang="en-US" sz="1400" dirty="0">
-                <a:latin typeface="Courier"/>
-                <a:cs typeface="Courier"/>
-              </a:rPr>
-              <a:t> -</a:t>
-            </a:r>
-            <a:r>
-              <a:rPr lang="en-US" sz="1400" dirty="0" err="1">
-                <a:latin typeface="Courier"/>
-                <a:cs typeface="Courier"/>
-              </a:rPr>
-              <a:t>expConfigPath</a:t>
-            </a:r>
-            <a:r>
-              <a:rPr lang="en-US" sz="1400" dirty="0">
-                <a:latin typeface="Courier"/>
-                <a:cs typeface="Courier"/>
-              </a:rPr>
-              <a:t> </a:t>
-            </a:r>
-            <a:r>
-              <a:rPr lang="en-US" sz="1400" dirty="0" err="1">
-                <a:latin typeface="Courier"/>
-                <a:cs typeface="Courier"/>
-              </a:rPr>
-              <a:t>config</a:t>
-            </a:r>
-            <a:r>
-              <a:rPr lang="en-US" sz="1400" dirty="0">
-                <a:latin typeface="Courier"/>
-                <a:cs typeface="Courier"/>
-              </a:rPr>
-              <a:t>/</a:t>
-            </a:r>
-            <a:r>
-              <a:rPr lang="en-US" sz="1400" dirty="0" err="1">
-                <a:latin typeface="Courier"/>
-                <a:cs typeface="Courier"/>
-              </a:rPr>
-              <a:t>original.config</a:t>
-            </a:r>
-            <a:r>
-              <a:rPr lang="en-US" sz="1400" dirty="0">
-                <a:latin typeface="Courier"/>
-                <a:cs typeface="Courier"/>
-              </a:rPr>
-              <a:t> </a:t>
-            </a:r>
-          </a:p>
-        </p:txBody>
-      </p:sp>
-      <p:sp>
-        <p:nvSpPr>
-          <p:cNvPr id="9" name="Rectangle 8"/>
-          <p:cNvSpPr/>
-          <p:nvPr/>
-        </p:nvSpPr>
-        <p:spPr>
-          <a:xfrm>
-            <a:off x="620712" y="6751637"/>
-            <a:ext cx="6279634" cy="610783"/>
-          </a:xfrm>
-          <a:prstGeom prst="rect">
-            <a:avLst/>
-          </a:prstGeom>
-        </p:spPr>
-        <p:txBody>
-          <a:bodyPr wrap="none">
-            <a:spAutoFit/>
-          </a:bodyPr>
-          <a:lstStyle/>
-          <a:p>
-            <a:r>
-              <a:rPr lang="en-US" dirty="0" smtClean="0">
-                <a:latin typeface="Courier"/>
-                <a:cs typeface="Courier"/>
-              </a:rPr>
-              <a:t>OUTPUT is in data</a:t>
-            </a:r>
-            <a:r>
-              <a:rPr lang="en-US" dirty="0">
-                <a:latin typeface="Courier"/>
-                <a:cs typeface="Courier"/>
-              </a:rPr>
-              <a:t>/examples/</a:t>
-            </a:r>
-            <a:r>
-              <a:rPr lang="en-US" dirty="0" err="1" smtClean="0">
-                <a:latin typeface="Courier"/>
-                <a:cs typeface="Courier"/>
-              </a:rPr>
-              <a:t>wikiqa</a:t>
-            </a:r>
-            <a:r>
-              <a:rPr lang="en-US" dirty="0" smtClean="0">
-                <a:latin typeface="Courier"/>
-                <a:cs typeface="Courier"/>
-              </a:rPr>
-              <a:t>/</a:t>
-            </a:r>
-            <a:r>
-              <a:rPr lang="en-US" dirty="0" err="1" smtClean="0">
-                <a:latin typeface="Courier"/>
-                <a:cs typeface="Courier"/>
-              </a:rPr>
-              <a:t>svm.train</a:t>
-            </a:r>
-            <a:r>
-              <a:rPr lang="en-US" dirty="0" smtClean="0">
-                <a:latin typeface="Courier"/>
-                <a:cs typeface="Courier"/>
-              </a:rPr>
-              <a:t>,</a:t>
-            </a:r>
-          </a:p>
-          <a:p>
-            <a:r>
-              <a:rPr lang="en-US" dirty="0">
-                <a:latin typeface="Courier"/>
-                <a:cs typeface="Courier"/>
-              </a:rPr>
-              <a:t>data/examples/</a:t>
-            </a:r>
-            <a:r>
-              <a:rPr lang="en-US" dirty="0" err="1">
-                <a:latin typeface="Courier"/>
-                <a:cs typeface="Courier"/>
-              </a:rPr>
-              <a:t>wikiqa</a:t>
-            </a:r>
-            <a:r>
-              <a:rPr lang="en-US" dirty="0">
-                <a:latin typeface="Courier"/>
-                <a:cs typeface="Courier"/>
-              </a:rPr>
-              <a:t>/</a:t>
-            </a:r>
-            <a:r>
-              <a:rPr lang="en-US" dirty="0" err="1" smtClean="0">
-                <a:latin typeface="Courier"/>
-                <a:cs typeface="Courier"/>
-              </a:rPr>
-              <a:t>svm.train.relevancy</a:t>
-            </a:r>
-            <a:endParaRPr lang="en-US" dirty="0"/>
-          </a:p>
-        </p:txBody>
-      </p:sp>
-      <p:sp>
-        <p:nvSpPr>
-          <p:cNvPr id="11" name="Oval Callout 10"/>
-          <p:cNvSpPr/>
-          <p:nvPr/>
-        </p:nvSpPr>
-        <p:spPr bwMode="auto">
-          <a:xfrm>
-            <a:off x="0" y="2103437"/>
-            <a:ext cx="1611312" cy="457200"/>
-          </a:xfrm>
-          <a:prstGeom prst="wedgeEllipseCallout">
-            <a:avLst>
-              <a:gd name="adj1" fmla="val 78125"/>
-              <a:gd name="adj2" fmla="val 118308"/>
-            </a:avLst>
-          </a:prstGeom>
-          <a:solidFill>
-            <a:schemeClr val="accent1"/>
-          </a:solidFill>
-          <a:ln w="3175" cap="flat" cmpd="sng" algn="ctr">
-            <a:solidFill>
-              <a:schemeClr val="tx1"/>
-            </a:solidFill>
-            <a:prstDash val="solid"/>
-            <a:round/>
-            <a:headEnd type="none" w="med" len="med"/>
-            <a:tailEnd type="triangle" w="med" len="med"/>
-          </a:ln>
-          <a:effectLst/>
-        </p:spPr>
-        <p:txBody>
-          <a:bodyPr vert="horz" wrap="square" lIns="91440" tIns="45720" rIns="91440" bIns="45720" numCol="1" rtlCol="0" anchor="t" anchorCtr="0" compatLnSpc="1">
-            <a:prstTxWarp prst="textNoShape">
-              <a:avLst/>
-            </a:prstTxWarp>
-          </a:bodyPr>
-          <a:lstStyle/>
-          <a:p>
-            <a:pPr marL="0" marR="0" indent="0" algn="ctr" defTabSz="914400" rtl="0" eaLnBrk="0" fontAlgn="base" latinLnBrk="0" hangingPunct="0">
-              <a:lnSpc>
-                <a:spcPct val="100000"/>
-              </a:lnSpc>
-              <a:spcBef>
-                <a:spcPct val="100000"/>
-              </a:spcBef>
-              <a:spcAft>
-                <a:spcPct val="0"/>
-              </a:spcAft>
-              <a:buClrTx/>
-              <a:buSzTx/>
-              <a:tabLst/>
-            </a:pPr>
-            <a:r>
-              <a:rPr lang="en-US" sz="1400" b="1" dirty="0" smtClean="0"/>
-              <a:t>Entry point</a:t>
-            </a:r>
-            <a:endParaRPr kumimoji="0" lang="en-US" sz="1400" b="1" i="0" u="none" strike="noStrike" cap="none" normalizeH="0" dirty="0">
-              <a:ln>
-                <a:noFill/>
-              </a:ln>
-              <a:solidFill>
-                <a:schemeClr val="tx1"/>
-              </a:solidFill>
-              <a:effectLst/>
-            </a:endParaRPr>
-          </a:p>
-        </p:txBody>
-      </p:sp>
-      <p:sp>
-        <p:nvSpPr>
-          <p:cNvPr id="10" name="Oval Callout 9"/>
-          <p:cNvSpPr/>
-          <p:nvPr/>
-        </p:nvSpPr>
-        <p:spPr bwMode="auto">
-          <a:xfrm>
-            <a:off x="4811712" y="1874837"/>
-            <a:ext cx="1611312" cy="457200"/>
-          </a:xfrm>
-          <a:prstGeom prst="wedgeEllipseCallout">
-            <a:avLst>
-              <a:gd name="adj1" fmla="val 61939"/>
-              <a:gd name="adj2" fmla="val 172876"/>
-            </a:avLst>
-          </a:prstGeom>
-          <a:solidFill>
-            <a:schemeClr val="accent1"/>
-          </a:solidFill>
-          <a:ln w="3175" cap="flat" cmpd="sng" algn="ctr">
-            <a:solidFill>
-              <a:schemeClr val="tx1"/>
-            </a:solidFill>
-            <a:prstDash val="solid"/>
-            <a:round/>
-            <a:headEnd type="none" w="med" len="med"/>
-            <a:tailEnd type="triangle" w="med" len="med"/>
-          </a:ln>
-          <a:effectLst/>
-        </p:spPr>
-        <p:txBody>
-          <a:bodyPr vert="horz" wrap="square" lIns="91440" tIns="45720" rIns="91440" bIns="45720" numCol="1" rtlCol="0" anchor="t" anchorCtr="0" compatLnSpc="1">
-            <a:prstTxWarp prst="textNoShape">
-              <a:avLst/>
-            </a:prstTxWarp>
-          </a:bodyPr>
-          <a:lstStyle/>
-          <a:p>
-            <a:pPr marL="0" marR="0" indent="0" algn="ctr" defTabSz="914400" rtl="0" eaLnBrk="0" fontAlgn="base" latinLnBrk="0" hangingPunct="0">
-              <a:lnSpc>
-                <a:spcPct val="100000"/>
-              </a:lnSpc>
-              <a:spcBef>
-                <a:spcPct val="100000"/>
-              </a:spcBef>
-              <a:spcAft>
-                <a:spcPct val="0"/>
-              </a:spcAft>
-              <a:buClrTx/>
-              <a:buSzTx/>
-              <a:tabLst/>
-            </a:pPr>
-            <a:r>
-              <a:rPr lang="en-US" sz="1400" b="1" dirty="0" smtClean="0"/>
-              <a:t>Questions</a:t>
-            </a:r>
-            <a:endParaRPr kumimoji="0" lang="en-US" sz="1400" b="1" i="0" u="none" strike="noStrike" cap="none" normalizeH="0" dirty="0">
-              <a:ln>
-                <a:noFill/>
-              </a:ln>
-              <a:solidFill>
-                <a:schemeClr val="tx1"/>
-              </a:solidFill>
-              <a:effectLst/>
-            </a:endParaRPr>
-          </a:p>
-        </p:txBody>
-      </p:sp>
-      <p:sp>
-        <p:nvSpPr>
-          <p:cNvPr id="12" name="Oval Callout 11"/>
-          <p:cNvSpPr/>
-          <p:nvPr/>
-        </p:nvSpPr>
-        <p:spPr bwMode="auto">
-          <a:xfrm>
-            <a:off x="2297112" y="1570037"/>
-            <a:ext cx="1611312" cy="838200"/>
-          </a:xfrm>
-          <a:prstGeom prst="wedgeEllipseCallout">
-            <a:avLst>
-              <a:gd name="adj1" fmla="val 7752"/>
-              <a:gd name="adj2" fmla="val 186931"/>
-            </a:avLst>
-          </a:prstGeom>
-          <a:solidFill>
-            <a:schemeClr val="accent1"/>
-          </a:solidFill>
-          <a:ln w="3175" cap="flat" cmpd="sng" algn="ctr">
-            <a:solidFill>
-              <a:schemeClr val="tx1"/>
-            </a:solidFill>
-            <a:prstDash val="solid"/>
-            <a:round/>
-            <a:headEnd type="none" w="med" len="med"/>
-            <a:tailEnd type="triangle" w="med" len="med"/>
-          </a:ln>
-          <a:effectLst/>
-        </p:spPr>
-        <p:txBody>
-          <a:bodyPr vert="horz" wrap="square" lIns="91440" tIns="45720" rIns="91440" bIns="45720" numCol="1" rtlCol="0" anchor="t" anchorCtr="0" compatLnSpc="1">
-            <a:prstTxWarp prst="textNoShape">
-              <a:avLst/>
-            </a:prstTxWarp>
-          </a:bodyPr>
-          <a:lstStyle/>
-          <a:p>
-            <a:pPr marL="0" marR="0" indent="0" algn="ctr" defTabSz="914400" rtl="0" eaLnBrk="0" fontAlgn="base" latinLnBrk="0" hangingPunct="0">
-              <a:lnSpc>
-                <a:spcPct val="100000"/>
-              </a:lnSpc>
-              <a:spcBef>
-                <a:spcPct val="100000"/>
-              </a:spcBef>
-              <a:spcAft>
-                <a:spcPct val="0"/>
-              </a:spcAft>
-              <a:buClrTx/>
-              <a:buSzTx/>
-              <a:tabLst/>
-            </a:pPr>
-            <a:r>
-              <a:rPr lang="en-US" sz="1400" b="1" dirty="0" smtClean="0"/>
-              <a:t>Candidate answers (APs)</a:t>
-            </a:r>
-            <a:endParaRPr kumimoji="0" lang="en-US" sz="1400" b="1" i="0" u="none" strike="noStrike" cap="none" normalizeH="0" dirty="0">
-              <a:ln>
-                <a:noFill/>
-              </a:ln>
-              <a:solidFill>
-                <a:schemeClr val="tx1"/>
-              </a:solidFill>
-              <a:effectLst/>
-            </a:endParaRPr>
-          </a:p>
-        </p:txBody>
-      </p:sp>
-      <p:sp>
-        <p:nvSpPr>
-          <p:cNvPr id="13" name="Oval Callout 12"/>
-          <p:cNvSpPr/>
-          <p:nvPr/>
-        </p:nvSpPr>
-        <p:spPr bwMode="auto">
-          <a:xfrm>
-            <a:off x="7097712" y="1493837"/>
-            <a:ext cx="1611312" cy="685800"/>
-          </a:xfrm>
-          <a:prstGeom prst="wedgeEllipseCallout">
-            <a:avLst>
-              <a:gd name="adj1" fmla="val 5641"/>
-              <a:gd name="adj2" fmla="val 215042"/>
-            </a:avLst>
-          </a:prstGeom>
-          <a:solidFill>
-            <a:schemeClr val="accent1"/>
-          </a:solidFill>
-          <a:ln w="3175" cap="flat" cmpd="sng" algn="ctr">
-            <a:solidFill>
-              <a:schemeClr val="tx1"/>
-            </a:solidFill>
-            <a:prstDash val="solid"/>
-            <a:round/>
-            <a:headEnd type="none" w="med" len="med"/>
-            <a:tailEnd type="triangle" w="med" len="med"/>
-          </a:ln>
-          <a:effectLst/>
-        </p:spPr>
-        <p:txBody>
-          <a:bodyPr vert="horz" wrap="square" lIns="91440" tIns="45720" rIns="91440" bIns="45720" numCol="1" rtlCol="0" anchor="t" anchorCtr="0" compatLnSpc="1">
-            <a:prstTxWarp prst="textNoShape">
-              <a:avLst/>
-            </a:prstTxWarp>
-          </a:bodyPr>
-          <a:lstStyle/>
-          <a:p>
-            <a:pPr algn="ctr" defTabSz="914400" eaLnBrk="0">
-              <a:lnSpc>
-                <a:spcPct val="100000"/>
-              </a:lnSpc>
-              <a:spcBef>
-                <a:spcPct val="100000"/>
-              </a:spcBef>
-              <a:buClrTx/>
-              <a:buSzTx/>
-            </a:pPr>
-            <a:r>
-              <a:rPr lang="en-US" sz="1400" b="1" dirty="0" smtClean="0"/>
-              <a:t>APs to keep per Q</a:t>
-            </a:r>
-            <a:endParaRPr kumimoji="0" lang="en-US" sz="1400" b="1" i="0" u="none" strike="noStrike" cap="none" normalizeH="0" dirty="0">
-              <a:ln>
-                <a:noFill/>
-              </a:ln>
-              <a:solidFill>
-                <a:schemeClr val="tx1"/>
-              </a:solidFill>
-              <a:effectLst/>
-            </a:endParaRPr>
-          </a:p>
-        </p:txBody>
-      </p:sp>
-      <p:sp>
-        <p:nvSpPr>
-          <p:cNvPr id="14" name="Oval Callout 13"/>
-          <p:cNvSpPr/>
-          <p:nvPr/>
-        </p:nvSpPr>
-        <p:spPr bwMode="auto">
-          <a:xfrm>
-            <a:off x="8435068" y="1036637"/>
-            <a:ext cx="1611312" cy="685800"/>
-          </a:xfrm>
-          <a:prstGeom prst="wedgeEllipseCallout">
-            <a:avLst>
-              <a:gd name="adj1" fmla="val -20397"/>
-              <a:gd name="adj2" fmla="val 249767"/>
-            </a:avLst>
-          </a:prstGeom>
-          <a:solidFill>
-            <a:schemeClr val="accent1"/>
-          </a:solidFill>
-          <a:ln w="3175" cap="flat" cmpd="sng" algn="ctr">
-            <a:solidFill>
-              <a:schemeClr val="tx1"/>
-            </a:solidFill>
-            <a:prstDash val="solid"/>
-            <a:round/>
-            <a:headEnd type="none" w="med" len="med"/>
-            <a:tailEnd type="triangle" w="med" len="med"/>
-          </a:ln>
-          <a:effectLst/>
-        </p:spPr>
-        <p:txBody>
-          <a:bodyPr vert="horz" wrap="square" lIns="91440" tIns="45720" rIns="91440" bIns="45720" numCol="1" rtlCol="0" anchor="t" anchorCtr="0" compatLnSpc="1">
-            <a:prstTxWarp prst="textNoShape">
-              <a:avLst/>
-            </a:prstTxWarp>
-          </a:bodyPr>
-          <a:lstStyle/>
-          <a:p>
-            <a:pPr algn="ctr" defTabSz="914400" eaLnBrk="0">
-              <a:lnSpc>
-                <a:spcPct val="100000"/>
-              </a:lnSpc>
-              <a:spcBef>
-                <a:spcPct val="100000"/>
-              </a:spcBef>
-              <a:buClrTx/>
-              <a:buSzTx/>
-            </a:pPr>
-            <a:r>
-              <a:rPr lang="en-US" sz="1400" b="1" dirty="0" smtClean="0"/>
-              <a:t>Output folder</a:t>
-            </a:r>
-            <a:endParaRPr kumimoji="0" lang="en-US" sz="1400" b="1" i="0" u="none" strike="noStrike" cap="none" normalizeH="0" dirty="0">
-              <a:ln>
-                <a:noFill/>
-              </a:ln>
-              <a:solidFill>
-                <a:schemeClr val="tx1"/>
-              </a:solidFill>
-              <a:effectLst/>
-            </a:endParaRPr>
-          </a:p>
-        </p:txBody>
-      </p:sp>
-      <p:sp>
-        <p:nvSpPr>
-          <p:cNvPr id="15" name="Oval Callout 14"/>
-          <p:cNvSpPr/>
-          <p:nvPr/>
-        </p:nvSpPr>
-        <p:spPr bwMode="auto">
-          <a:xfrm>
-            <a:off x="5268912" y="808037"/>
-            <a:ext cx="1992312" cy="685800"/>
-          </a:xfrm>
-          <a:prstGeom prst="wedgeEllipseCallout">
-            <a:avLst>
-              <a:gd name="adj1" fmla="val 106978"/>
-              <a:gd name="adj2" fmla="val 319217"/>
-            </a:avLst>
-          </a:prstGeom>
-          <a:solidFill>
-            <a:schemeClr val="accent1"/>
-          </a:solidFill>
-          <a:ln w="3175" cap="flat" cmpd="sng" algn="ctr">
-            <a:solidFill>
-              <a:schemeClr val="tx1"/>
-            </a:solidFill>
-            <a:prstDash val="solid"/>
-            <a:round/>
-            <a:headEnd type="none" w="med" len="med"/>
-            <a:tailEnd type="triangle" w="med" len="med"/>
-          </a:ln>
-          <a:effectLst/>
-        </p:spPr>
-        <p:txBody>
-          <a:bodyPr vert="horz" wrap="square" lIns="91440" tIns="45720" rIns="91440" bIns="45720" numCol="1" rtlCol="0" anchor="t" anchorCtr="0" compatLnSpc="1">
-            <a:prstTxWarp prst="textNoShape">
-              <a:avLst/>
-            </a:prstTxWarp>
-          </a:bodyPr>
-          <a:lstStyle/>
-          <a:p>
-            <a:pPr algn="ctr" defTabSz="914400" eaLnBrk="0">
-              <a:lnSpc>
-                <a:spcPct val="100000"/>
-              </a:lnSpc>
-              <a:spcBef>
-                <a:spcPct val="100000"/>
-              </a:spcBef>
-              <a:buClrTx/>
-              <a:buSzTx/>
-            </a:pPr>
-            <a:r>
-              <a:rPr lang="en-US" sz="1400" b="1" dirty="0" smtClean="0"/>
-              <a:t>Do we TRAIN or TEST?</a:t>
-            </a:r>
-            <a:endParaRPr kumimoji="0" lang="en-US" sz="1400" b="1" i="0" u="none" strike="noStrike" cap="none" normalizeH="0" dirty="0">
-              <a:ln>
-                <a:noFill/>
-              </a:ln>
-              <a:solidFill>
-                <a:schemeClr val="tx1"/>
-              </a:solidFill>
-              <a:effectLst/>
-            </a:endParaRPr>
-          </a:p>
-        </p:txBody>
-      </p:sp>
-      <p:sp>
-        <p:nvSpPr>
-          <p:cNvPr id="17" name="Oval Callout 16"/>
-          <p:cNvSpPr/>
-          <p:nvPr/>
-        </p:nvSpPr>
-        <p:spPr bwMode="auto">
-          <a:xfrm>
-            <a:off x="1001712" y="4389437"/>
-            <a:ext cx="3048000" cy="1143000"/>
-          </a:xfrm>
-          <a:prstGeom prst="wedgeEllipseCallout">
-            <a:avLst>
-              <a:gd name="adj1" fmla="val -55230"/>
-              <a:gd name="adj2" fmla="val -109721"/>
-            </a:avLst>
-          </a:prstGeom>
-          <a:solidFill>
-            <a:schemeClr val="accent1"/>
-          </a:solidFill>
-          <a:ln w="3175" cap="flat" cmpd="sng" algn="ctr">
-            <a:solidFill>
-              <a:schemeClr val="tx1"/>
-            </a:solidFill>
-            <a:prstDash val="solid"/>
-            <a:round/>
-            <a:headEnd type="none" w="med" len="med"/>
-            <a:tailEnd type="triangle" w="med" len="med"/>
-          </a:ln>
-          <a:effectLst/>
-        </p:spPr>
-        <p:txBody>
-          <a:bodyPr vert="horz" wrap="square" lIns="91440" tIns="45720" rIns="91440" bIns="45720" numCol="1" rtlCol="0" anchor="t" anchorCtr="0" compatLnSpc="1">
-            <a:prstTxWarp prst="textNoShape">
-              <a:avLst/>
-            </a:prstTxWarp>
-          </a:bodyPr>
-          <a:lstStyle/>
-          <a:p>
-            <a:pPr algn="ctr" defTabSz="914400" eaLnBrk="0">
-              <a:lnSpc>
-                <a:spcPct val="100000"/>
-              </a:lnSpc>
-              <a:spcBef>
-                <a:spcPct val="100000"/>
-              </a:spcBef>
-              <a:buClrTx/>
-              <a:buSzTx/>
-            </a:pPr>
-            <a:r>
-              <a:rPr lang="en-US" sz="1400" b="1" dirty="0" smtClean="0"/>
-              <a:t>Defines the Experiment (which structure to generate</a:t>
-            </a:r>
-            <a:endParaRPr kumimoji="0" lang="en-US" sz="1400" b="1" i="0" u="none" strike="noStrike" cap="none" normalizeH="0" dirty="0">
-              <a:ln>
-                <a:noFill/>
-              </a:ln>
-              <a:solidFill>
-                <a:schemeClr val="tx1"/>
-              </a:solidFill>
-              <a:effectLst/>
-            </a:endParaRPr>
-          </a:p>
-        </p:txBody>
-      </p:sp>
-      <p:sp>
-        <p:nvSpPr>
-          <p:cNvPr id="18" name="Oval Callout 17"/>
-          <p:cNvSpPr/>
-          <p:nvPr/>
-        </p:nvSpPr>
-        <p:spPr bwMode="auto">
-          <a:xfrm>
-            <a:off x="8416698" y="4084637"/>
-            <a:ext cx="1676400" cy="1219200"/>
-          </a:xfrm>
-          <a:prstGeom prst="wedgeEllipseCallout">
-            <a:avLst>
-              <a:gd name="adj1" fmla="val -20091"/>
-              <a:gd name="adj2" fmla="val -88220"/>
-            </a:avLst>
-          </a:prstGeom>
-          <a:solidFill>
-            <a:schemeClr val="accent1"/>
-          </a:solidFill>
-          <a:ln w="3175" cap="flat" cmpd="sng" algn="ctr">
-            <a:solidFill>
-              <a:schemeClr val="tx1"/>
-            </a:solidFill>
-            <a:prstDash val="solid"/>
-            <a:round/>
-            <a:headEnd type="none" w="med" len="med"/>
-            <a:tailEnd type="triangle" w="med" len="med"/>
-          </a:ln>
-          <a:effectLst/>
-        </p:spPr>
-        <p:txBody>
-          <a:bodyPr vert="horz" wrap="square" lIns="91440" tIns="45720" rIns="91440" bIns="45720" numCol="1" rtlCol="0" anchor="t" anchorCtr="0" compatLnSpc="1">
-            <a:prstTxWarp prst="textNoShape">
-              <a:avLst/>
-            </a:prstTxWarp>
-          </a:bodyPr>
-          <a:lstStyle/>
-          <a:p>
-            <a:pPr marL="0" marR="0" indent="0" algn="ctr" defTabSz="914400" rtl="0" eaLnBrk="0" fontAlgn="base" latinLnBrk="0" hangingPunct="0">
-              <a:lnSpc>
-                <a:spcPct val="100000"/>
-              </a:lnSpc>
-              <a:spcBef>
-                <a:spcPct val="100000"/>
-              </a:spcBef>
-              <a:spcAft>
-                <a:spcPct val="0"/>
-              </a:spcAft>
-              <a:buClrTx/>
-              <a:buSzTx/>
-              <a:tabLst/>
-            </a:pPr>
-            <a:r>
-              <a:rPr lang="en-US" sz="1400" b="1" dirty="0" smtClean="0"/>
-              <a:t>Defines which features to extract</a:t>
-            </a:r>
-            <a:endParaRPr kumimoji="0" lang="en-US" sz="1400" b="1" i="0" u="none" strike="noStrike" cap="none" normalizeH="0" dirty="0">
-              <a:ln>
-                <a:noFill/>
-              </a:ln>
-              <a:solidFill>
-                <a:schemeClr val="tx1"/>
-              </a:solidFill>
-              <a:effectLst/>
-            </a:endParaRPr>
-          </a:p>
-        </p:txBody>
-      </p:sp>
-      <p:sp>
-        <p:nvSpPr>
-          <p:cNvPr id="19" name="Oval Callout 18"/>
-          <p:cNvSpPr/>
-          <p:nvPr/>
-        </p:nvSpPr>
-        <p:spPr bwMode="auto">
-          <a:xfrm>
-            <a:off x="4887912" y="4237037"/>
-            <a:ext cx="3048000" cy="1143000"/>
-          </a:xfrm>
-          <a:prstGeom prst="wedgeEllipseCallout">
-            <a:avLst>
-              <a:gd name="adj1" fmla="val -1659"/>
-              <a:gd name="adj2" fmla="val -76980"/>
-            </a:avLst>
-          </a:prstGeom>
-          <a:solidFill>
-            <a:schemeClr val="accent1"/>
-          </a:solidFill>
-          <a:ln w="3175" cap="flat" cmpd="sng" algn="ctr">
-            <a:solidFill>
-              <a:schemeClr val="tx1"/>
-            </a:solidFill>
-            <a:prstDash val="solid"/>
-            <a:round/>
-            <a:headEnd type="none" w="med" len="med"/>
-            <a:tailEnd type="triangle" w="med" len="med"/>
-          </a:ln>
-          <a:effectLst/>
-        </p:spPr>
-        <p:txBody>
-          <a:bodyPr vert="horz" wrap="square" lIns="91440" tIns="45720" rIns="91440" bIns="45720" numCol="1" rtlCol="0" anchor="t" anchorCtr="0" compatLnSpc="1">
-            <a:prstTxWarp prst="textNoShape">
-              <a:avLst/>
-            </a:prstTxWarp>
-          </a:bodyPr>
-          <a:lstStyle/>
-          <a:p>
-            <a:pPr algn="ctr" defTabSz="914400" eaLnBrk="0">
-              <a:lnSpc>
-                <a:spcPct val="100000"/>
-              </a:lnSpc>
-              <a:spcBef>
-                <a:spcPct val="100000"/>
-              </a:spcBef>
-              <a:buClrTx/>
-              <a:buSzTx/>
-            </a:pPr>
-            <a:r>
-              <a:rPr lang="en-US" sz="1400" b="1" dirty="0" smtClean="0"/>
-              <a:t>Additional</a:t>
-            </a:r>
-            <a:r>
-              <a:rPr lang="en-US" sz="1400" b="1" dirty="0"/>
-              <a:t> </a:t>
-            </a:r>
-            <a:r>
-              <a:rPr lang="en-US" sz="1400" b="1" dirty="0" smtClean="0"/>
-              <a:t>experiment configuration (whether to add FOCUs info and do focus match)</a:t>
-            </a:r>
-          </a:p>
-        </p:txBody>
-      </p:sp>
-      <p:sp>
-        <p:nvSpPr>
-          <p:cNvPr id="20" name="Oval Callout 19"/>
-          <p:cNvSpPr/>
-          <p:nvPr/>
-        </p:nvSpPr>
-        <p:spPr bwMode="auto">
-          <a:xfrm>
-            <a:off x="3516312" y="960437"/>
-            <a:ext cx="1611312" cy="838200"/>
-          </a:xfrm>
-          <a:prstGeom prst="wedgeEllipseCallout">
-            <a:avLst>
-              <a:gd name="adj1" fmla="val -8434"/>
-              <a:gd name="adj2" fmla="val 231578"/>
-            </a:avLst>
-          </a:prstGeom>
-          <a:solidFill>
-            <a:schemeClr val="accent1"/>
-          </a:solidFill>
-          <a:ln w="3175" cap="flat" cmpd="sng" algn="ctr">
-            <a:solidFill>
-              <a:schemeClr val="tx1"/>
-            </a:solidFill>
-            <a:prstDash val="solid"/>
-            <a:round/>
-            <a:headEnd type="none" w="med" len="med"/>
-            <a:tailEnd type="triangle" w="med" len="med"/>
-          </a:ln>
-          <a:effectLst/>
-        </p:spPr>
-        <p:txBody>
-          <a:bodyPr vert="horz" wrap="square" lIns="91440" tIns="45720" rIns="91440" bIns="45720" numCol="1" rtlCol="0" anchor="t" anchorCtr="0" compatLnSpc="1">
-            <a:prstTxWarp prst="textNoShape">
-              <a:avLst/>
-            </a:prstTxWarp>
-          </a:bodyPr>
-          <a:lstStyle/>
-          <a:p>
-            <a:pPr marL="0" marR="0" indent="0" algn="ctr" defTabSz="914400" rtl="0" eaLnBrk="0" fontAlgn="base" latinLnBrk="0" hangingPunct="0">
-              <a:lnSpc>
-                <a:spcPct val="100000"/>
-              </a:lnSpc>
-              <a:spcBef>
-                <a:spcPct val="100000"/>
-              </a:spcBef>
-              <a:spcAft>
-                <a:spcPct val="0"/>
-              </a:spcAft>
-              <a:buClrTx/>
-              <a:buSzTx/>
-              <a:tabLst/>
-            </a:pPr>
-            <a:r>
-              <a:rPr lang="en-US" sz="1400" b="1" dirty="0" smtClean="0"/>
-              <a:t>Where to persist the </a:t>
-            </a:r>
-            <a:r>
-              <a:rPr lang="en-US" sz="1400" b="1" dirty="0" err="1" smtClean="0"/>
-              <a:t>CASes</a:t>
-            </a:r>
-            <a:endParaRPr kumimoji="0" lang="en-US" sz="1400" b="1" i="0" u="none" strike="noStrike" cap="none" normalizeH="0" dirty="0">
-              <a:ln>
-                <a:noFill/>
-              </a:ln>
-              <a:solidFill>
-                <a:schemeClr val="tx1"/>
-              </a:solidFill>
-              <a:effectLst/>
-            </a:endParaRPr>
-          </a:p>
-        </p:txBody>
-      </p:sp>
-    </p:spTree>
-    <p:extLst>
-      <p:ext uri="{BB962C8B-B14F-4D97-AF65-F5344CB8AC3E}">
-        <p14:creationId xmlns:p14="http://schemas.microsoft.com/office/powerpoint/2010/main" val="3252175439"/>
-      </p:ext>
-    </p:extLst>
-  </p:cSld>
-  <p:clrMapOvr>
-    <a:masterClrMapping/>
-  </p:clrMapOvr>
+  <p:timing>
+    <p:tnLst>
+      <p:par>
+        <p:cTn xmlns:p14="http://schemas.microsoft.com/office/powerpoint/2010/main" id="1" dur="indefinite" restart="never" nodeType="tmRoot"/>
+      </p:par>
+    </p:tnLst>
+  </p:timing>
 </p:sld>
 </file>
 
@@ -22664,6 +22864,13 @@
   <p:clrMapOvr>
     <a:masterClrMapping/>
   </p:clrMapOvr>
+  <p:timing>
+    <p:tnLst>
+      <p:par>
+        <p:cTn xmlns:p14="http://schemas.microsoft.com/office/powerpoint/2010/main" id="1" dur="indefinite" restart="never" nodeType="tmRoot"/>
+      </p:par>
+    </p:tnLst>
+  </p:timing>
 </p:sld>
 </file>
 
